--- a/static/img/doc/pics.pptx
+++ b/static/img/doc/pics.pptx
@@ -7,6 +7,7 @@
   <p:sldIdLst>
     <p:sldId id="256" r:id="rId2"/>
     <p:sldId id="257" r:id="rId3"/>
+    <p:sldId id="258" r:id="rId4"/>
   </p:sldIdLst>
   <p:sldSz cx="12192000" cy="6858000"/>
   <p:notesSz cx="6858000" cy="9144000"/>
@@ -105,6 +106,11 @@
       </a:defRPr>
     </a:lvl9pPr>
   </p:defaultTextStyle>
+  <p:extLst>
+    <p:ext uri="{EFAFB233-063F-42B5-8137-9DF3F51BA10A}">
+      <p15:sldGuideLst xmlns:p15="http://schemas.microsoft.com/office/powerpoint/2012/main"/>
+    </p:ext>
+  </p:extLst>
 </p:presentation>
 </file>
 
@@ -239,7 +245,7 @@
           <a:p>
             <a:fld id="{AE012AFE-1FD2-420A-8FDC-B1463C197541}" type="datetimeFigureOut">
               <a:rPr lang="de-DE" smtClean="0"/>
-              <a:t>15.06.2018</a:t>
+              <a:t>23.06.2018</a:t>
             </a:fld>
             <a:endParaRPr lang="de-DE"/>
           </a:p>
@@ -409,7 +415,7 @@
           <a:p>
             <a:fld id="{AE012AFE-1FD2-420A-8FDC-B1463C197541}" type="datetimeFigureOut">
               <a:rPr lang="de-DE" smtClean="0"/>
-              <a:t>15.06.2018</a:t>
+              <a:t>23.06.2018</a:t>
             </a:fld>
             <a:endParaRPr lang="de-DE"/>
           </a:p>
@@ -589,7 +595,7 @@
           <a:p>
             <a:fld id="{AE012AFE-1FD2-420A-8FDC-B1463C197541}" type="datetimeFigureOut">
               <a:rPr lang="de-DE" smtClean="0"/>
-              <a:t>15.06.2018</a:t>
+              <a:t>23.06.2018</a:t>
             </a:fld>
             <a:endParaRPr lang="de-DE"/>
           </a:p>
@@ -759,7 +765,7 @@
           <a:p>
             <a:fld id="{AE012AFE-1FD2-420A-8FDC-B1463C197541}" type="datetimeFigureOut">
               <a:rPr lang="de-DE" smtClean="0"/>
-              <a:t>15.06.2018</a:t>
+              <a:t>23.06.2018</a:t>
             </a:fld>
             <a:endParaRPr lang="de-DE"/>
           </a:p>
@@ -1005,7 +1011,7 @@
           <a:p>
             <a:fld id="{AE012AFE-1FD2-420A-8FDC-B1463C197541}" type="datetimeFigureOut">
               <a:rPr lang="de-DE" smtClean="0"/>
-              <a:t>15.06.2018</a:t>
+              <a:t>23.06.2018</a:t>
             </a:fld>
             <a:endParaRPr lang="de-DE"/>
           </a:p>
@@ -1237,7 +1243,7 @@
           <a:p>
             <a:fld id="{AE012AFE-1FD2-420A-8FDC-B1463C197541}" type="datetimeFigureOut">
               <a:rPr lang="de-DE" smtClean="0"/>
-              <a:t>15.06.2018</a:t>
+              <a:t>23.06.2018</a:t>
             </a:fld>
             <a:endParaRPr lang="de-DE"/>
           </a:p>
@@ -1604,7 +1610,7 @@
           <a:p>
             <a:fld id="{AE012AFE-1FD2-420A-8FDC-B1463C197541}" type="datetimeFigureOut">
               <a:rPr lang="de-DE" smtClean="0"/>
-              <a:t>15.06.2018</a:t>
+              <a:t>23.06.2018</a:t>
             </a:fld>
             <a:endParaRPr lang="de-DE"/>
           </a:p>
@@ -1722,7 +1728,7 @@
           <a:p>
             <a:fld id="{AE012AFE-1FD2-420A-8FDC-B1463C197541}" type="datetimeFigureOut">
               <a:rPr lang="de-DE" smtClean="0"/>
-              <a:t>15.06.2018</a:t>
+              <a:t>23.06.2018</a:t>
             </a:fld>
             <a:endParaRPr lang="de-DE"/>
           </a:p>
@@ -1817,7 +1823,7 @@
           <a:p>
             <a:fld id="{AE012AFE-1FD2-420A-8FDC-B1463C197541}" type="datetimeFigureOut">
               <a:rPr lang="de-DE" smtClean="0"/>
-              <a:t>15.06.2018</a:t>
+              <a:t>23.06.2018</a:t>
             </a:fld>
             <a:endParaRPr lang="de-DE"/>
           </a:p>
@@ -2094,7 +2100,7 @@
           <a:p>
             <a:fld id="{AE012AFE-1FD2-420A-8FDC-B1463C197541}" type="datetimeFigureOut">
               <a:rPr lang="de-DE" smtClean="0"/>
-              <a:t>15.06.2018</a:t>
+              <a:t>23.06.2018</a:t>
             </a:fld>
             <a:endParaRPr lang="de-DE"/>
           </a:p>
@@ -2347,7 +2353,7 @@
           <a:p>
             <a:fld id="{AE012AFE-1FD2-420A-8FDC-B1463C197541}" type="datetimeFigureOut">
               <a:rPr lang="de-DE" smtClean="0"/>
-              <a:t>15.06.2018</a:t>
+              <a:t>23.06.2018</a:t>
             </a:fld>
             <a:endParaRPr lang="de-DE"/>
           </a:p>
@@ -2560,7 +2566,7 @@
           <a:p>
             <a:fld id="{AE012AFE-1FD2-420A-8FDC-B1463C197541}" type="datetimeFigureOut">
               <a:rPr lang="de-DE" smtClean="0"/>
-              <a:t>15.06.2018</a:t>
+              <a:t>23.06.2018</a:t>
             </a:fld>
             <a:endParaRPr lang="de-DE"/>
           </a:p>
@@ -3578,6 +3584,272 @@
 </p:sld>
 </file>
 
+<file path=ppt/slides/slide3.xml><?xml version="1.0" encoding="utf-8"?>
+<p:sld xmlns:a="http://schemas.openxmlformats.org/drawingml/2006/main" xmlns:r="http://schemas.openxmlformats.org/officeDocument/2006/relationships" xmlns:p="http://schemas.openxmlformats.org/presentationml/2006/main">
+  <p:cSld>
+    <p:spTree>
+      <p:nvGrpSpPr>
+        <p:cNvPr id="1" name=""/>
+        <p:cNvGrpSpPr/>
+        <p:nvPr/>
+      </p:nvGrpSpPr>
+      <p:grpSpPr>
+        <a:xfrm>
+          <a:off x="0" y="0"/>
+          <a:ext cx="0" cy="0"/>
+          <a:chOff x="0" y="0"/>
+          <a:chExt cx="0" cy="0"/>
+        </a:xfrm>
+      </p:grpSpPr>
+      <p:sp>
+        <p:nvSpPr>
+          <p:cNvPr id="4" name="Rechteck 3"/>
+          <p:cNvSpPr/>
+          <p:nvPr/>
+        </p:nvSpPr>
+        <p:spPr>
+          <a:xfrm>
+            <a:off x="3910263" y="1937084"/>
+            <a:ext cx="4371474" cy="2983832"/>
+          </a:xfrm>
+          <a:prstGeom prst="rect">
+            <a:avLst/>
+          </a:prstGeom>
+          <a:solidFill>
+            <a:schemeClr val="bg1"/>
+          </a:solidFill>
+        </p:spPr>
+        <p:style>
+          <a:lnRef idx="2">
+            <a:schemeClr val="accent1">
+              <a:shade val="50000"/>
+            </a:schemeClr>
+          </a:lnRef>
+          <a:fillRef idx="1">
+            <a:schemeClr val="accent1"/>
+          </a:fillRef>
+          <a:effectRef idx="0">
+            <a:schemeClr val="accent1"/>
+          </a:effectRef>
+          <a:fontRef idx="minor">
+            <a:schemeClr val="lt1"/>
+          </a:fontRef>
+        </p:style>
+        <p:txBody>
+          <a:bodyPr rtlCol="0" anchor="ctr"/>
+          <a:lstStyle/>
+          <a:p>
+            <a:pPr algn="ctr"/>
+            <a:r>
+              <a:rPr lang="de-DE" dirty="0" smtClean="0"/>
+              <a:t>Anwendung</a:t>
+            </a:r>
+            <a:endParaRPr lang="de-DE" dirty="0"/>
+          </a:p>
+        </p:txBody>
+      </p:sp>
+      <p:sp>
+        <p:nvSpPr>
+          <p:cNvPr id="3" name="L-Form 2"/>
+          <p:cNvSpPr/>
+          <p:nvPr/>
+        </p:nvSpPr>
+        <p:spPr>
+          <a:xfrm rot="5400000">
+            <a:off x="4664237" y="1656342"/>
+            <a:ext cx="2679030" cy="3521254"/>
+          </a:xfrm>
+          <a:prstGeom prst="corner">
+            <a:avLst>
+              <a:gd name="adj1" fmla="val 31498"/>
+              <a:gd name="adj2" fmla="val 30176"/>
+            </a:avLst>
+          </a:prstGeom>
+          <a:solidFill>
+            <a:schemeClr val="accent1">
+              <a:lumMod val="60000"/>
+              <a:lumOff val="40000"/>
+            </a:schemeClr>
+          </a:solidFill>
+          <a:ln>
+            <a:noFill/>
+          </a:ln>
+        </p:spPr>
+        <p:style>
+          <a:lnRef idx="2">
+            <a:schemeClr val="accent1">
+              <a:shade val="50000"/>
+            </a:schemeClr>
+          </a:lnRef>
+          <a:fillRef idx="1">
+            <a:schemeClr val="accent1"/>
+          </a:fillRef>
+          <a:effectRef idx="0">
+            <a:schemeClr val="accent1"/>
+          </a:effectRef>
+          <a:fontRef idx="minor">
+            <a:schemeClr val="lt1"/>
+          </a:fontRef>
+        </p:style>
+        <p:txBody>
+          <a:bodyPr rtlCol="0" anchor="ctr"/>
+          <a:lstStyle/>
+          <a:p>
+            <a:pPr algn="ctr"/>
+            <a:endParaRPr lang="de-DE" dirty="0"/>
+          </a:p>
+        </p:txBody>
+      </p:sp>
+      <p:sp>
+        <p:nvSpPr>
+          <p:cNvPr id="5" name="Rechteck 4"/>
+          <p:cNvSpPr/>
+          <p:nvPr/>
+        </p:nvSpPr>
+        <p:spPr>
+          <a:xfrm>
+            <a:off x="5261811" y="3971658"/>
+            <a:ext cx="2502566" cy="784824"/>
+          </a:xfrm>
+          <a:prstGeom prst="rect">
+            <a:avLst/>
+          </a:prstGeom>
+          <a:ln>
+            <a:noFill/>
+          </a:ln>
+        </p:spPr>
+        <p:style>
+          <a:lnRef idx="2">
+            <a:schemeClr val="accent1">
+              <a:shade val="50000"/>
+            </a:schemeClr>
+          </a:lnRef>
+          <a:fillRef idx="1">
+            <a:schemeClr val="accent1"/>
+          </a:fillRef>
+          <a:effectRef idx="0">
+            <a:schemeClr val="accent1"/>
+          </a:effectRef>
+          <a:fontRef idx="minor">
+            <a:schemeClr val="lt1"/>
+          </a:fontRef>
+        </p:style>
+        <p:txBody>
+          <a:bodyPr rtlCol="0" anchor="ctr"/>
+          <a:lstStyle/>
+          <a:p>
+            <a:pPr algn="ctr"/>
+            <a:r>
+              <a:rPr lang="de-DE" dirty="0" err="1" smtClean="0"/>
+              <a:t>Q2</a:t>
+            </a:r>
+            <a:endParaRPr lang="de-DE" dirty="0"/>
+          </a:p>
+        </p:txBody>
+      </p:sp>
+      <p:sp>
+        <p:nvSpPr>
+          <p:cNvPr id="15" name="Rechteck 14"/>
+          <p:cNvSpPr/>
+          <p:nvPr/>
+        </p:nvSpPr>
+        <p:spPr>
+          <a:xfrm>
+            <a:off x="5261811" y="3042259"/>
+            <a:ext cx="2502564" cy="784824"/>
+          </a:xfrm>
+          <a:prstGeom prst="rect">
+            <a:avLst/>
+          </a:prstGeom>
+          <a:solidFill>
+            <a:schemeClr val="accent1">
+              <a:lumMod val="75000"/>
+            </a:schemeClr>
+          </a:solidFill>
+          <a:ln>
+            <a:noFill/>
+          </a:ln>
+        </p:spPr>
+        <p:style>
+          <a:lnRef idx="2">
+            <a:schemeClr val="accent1">
+              <a:shade val="50000"/>
+            </a:schemeClr>
+          </a:lnRef>
+          <a:fillRef idx="1">
+            <a:schemeClr val="accent1"/>
+          </a:fillRef>
+          <a:effectRef idx="0">
+            <a:schemeClr val="accent1"/>
+          </a:effectRef>
+          <a:fontRef idx="minor">
+            <a:schemeClr val="lt1"/>
+          </a:fontRef>
+        </p:style>
+        <p:txBody>
+          <a:bodyPr rtlCol="0" anchor="ctr"/>
+          <a:lstStyle/>
+          <a:p>
+            <a:pPr algn="ctr"/>
+            <a:r>
+              <a:rPr lang="de-DE" dirty="0" err="1" smtClean="0"/>
+              <a:t>Q1</a:t>
+            </a:r>
+            <a:endParaRPr lang="de-DE" dirty="0"/>
+          </a:p>
+        </p:txBody>
+      </p:sp>
+      <p:sp>
+        <p:nvSpPr>
+          <p:cNvPr id="7" name="Textfeld 6"/>
+          <p:cNvSpPr txBox="1"/>
+          <p:nvPr/>
+        </p:nvSpPr>
+        <p:spPr>
+          <a:xfrm>
+            <a:off x="4362799" y="2265088"/>
+            <a:ext cx="1245021" cy="369332"/>
+          </a:xfrm>
+          <a:prstGeom prst="rect">
+            <a:avLst/>
+          </a:prstGeom>
+          <a:noFill/>
+        </p:spPr>
+        <p:txBody>
+          <a:bodyPr wrap="none" rtlCol="0">
+            <a:spAutoFit/>
+          </a:bodyPr>
+          <a:lstStyle/>
+          <a:p>
+            <a:r>
+              <a:rPr lang="de-DE" dirty="0" err="1" smtClean="0">
+                <a:solidFill>
+                  <a:schemeClr val="bg1"/>
+                </a:solidFill>
+              </a:rPr>
+              <a:t>Application</a:t>
+            </a:r>
+            <a:endParaRPr lang="de-DE" dirty="0">
+              <a:solidFill>
+                <a:schemeClr val="bg1"/>
+              </a:solidFill>
+            </a:endParaRPr>
+          </a:p>
+        </p:txBody>
+      </p:sp>
+    </p:spTree>
+    <p:extLst>
+      <p:ext uri="{BB962C8B-B14F-4D97-AF65-F5344CB8AC3E}">
+        <p14:creationId xmlns:p14="http://schemas.microsoft.com/office/powerpoint/2010/main" val="208036892"/>
+      </p:ext>
+    </p:extLst>
+  </p:cSld>
+  <p:clrMapOvr>
+    <a:masterClrMapping/>
+  </p:clrMapOvr>
+</p:sld>
+</file>
+
 <file path=ppt/theme/theme1.xml><?xml version="1.0" encoding="utf-8"?>
 <a:theme xmlns:a="http://schemas.openxmlformats.org/drawingml/2006/main" name="Office Theme">
   <a:themeElements>

--- a/static/img/doc/pics.pptx
+++ b/static/img/doc/pics.pptx
@@ -8,6 +8,7 @@
     <p:sldId id="256" r:id="rId2"/>
     <p:sldId id="257" r:id="rId3"/>
     <p:sldId id="258" r:id="rId4"/>
+    <p:sldId id="259" r:id="rId5"/>
   </p:sldIdLst>
   <p:sldSz cx="12192000" cy="6858000"/>
   <p:notesSz cx="6858000" cy="9144000"/>
@@ -245,7 +246,7 @@
           <a:p>
             <a:fld id="{AE012AFE-1FD2-420A-8FDC-B1463C197541}" type="datetimeFigureOut">
               <a:rPr lang="de-DE" smtClean="0"/>
-              <a:t>23.06.2018</a:t>
+              <a:t>29.06.2018</a:t>
             </a:fld>
             <a:endParaRPr lang="de-DE"/>
           </a:p>
@@ -415,7 +416,7 @@
           <a:p>
             <a:fld id="{AE012AFE-1FD2-420A-8FDC-B1463C197541}" type="datetimeFigureOut">
               <a:rPr lang="de-DE" smtClean="0"/>
-              <a:t>23.06.2018</a:t>
+              <a:t>29.06.2018</a:t>
             </a:fld>
             <a:endParaRPr lang="de-DE"/>
           </a:p>
@@ -595,7 +596,7 @@
           <a:p>
             <a:fld id="{AE012AFE-1FD2-420A-8FDC-B1463C197541}" type="datetimeFigureOut">
               <a:rPr lang="de-DE" smtClean="0"/>
-              <a:t>23.06.2018</a:t>
+              <a:t>29.06.2018</a:t>
             </a:fld>
             <a:endParaRPr lang="de-DE"/>
           </a:p>
@@ -765,7 +766,7 @@
           <a:p>
             <a:fld id="{AE012AFE-1FD2-420A-8FDC-B1463C197541}" type="datetimeFigureOut">
               <a:rPr lang="de-DE" smtClean="0"/>
-              <a:t>23.06.2018</a:t>
+              <a:t>29.06.2018</a:t>
             </a:fld>
             <a:endParaRPr lang="de-DE"/>
           </a:p>
@@ -1011,7 +1012,7 @@
           <a:p>
             <a:fld id="{AE012AFE-1FD2-420A-8FDC-B1463C197541}" type="datetimeFigureOut">
               <a:rPr lang="de-DE" smtClean="0"/>
-              <a:t>23.06.2018</a:t>
+              <a:t>29.06.2018</a:t>
             </a:fld>
             <a:endParaRPr lang="de-DE"/>
           </a:p>
@@ -1243,7 +1244,7 @@
           <a:p>
             <a:fld id="{AE012AFE-1FD2-420A-8FDC-B1463C197541}" type="datetimeFigureOut">
               <a:rPr lang="de-DE" smtClean="0"/>
-              <a:t>23.06.2018</a:t>
+              <a:t>29.06.2018</a:t>
             </a:fld>
             <a:endParaRPr lang="de-DE"/>
           </a:p>
@@ -1610,7 +1611,7 @@
           <a:p>
             <a:fld id="{AE012AFE-1FD2-420A-8FDC-B1463C197541}" type="datetimeFigureOut">
               <a:rPr lang="de-DE" smtClean="0"/>
-              <a:t>23.06.2018</a:t>
+              <a:t>29.06.2018</a:t>
             </a:fld>
             <a:endParaRPr lang="de-DE"/>
           </a:p>
@@ -1728,7 +1729,7 @@
           <a:p>
             <a:fld id="{AE012AFE-1FD2-420A-8FDC-B1463C197541}" type="datetimeFigureOut">
               <a:rPr lang="de-DE" smtClean="0"/>
-              <a:t>23.06.2018</a:t>
+              <a:t>29.06.2018</a:t>
             </a:fld>
             <a:endParaRPr lang="de-DE"/>
           </a:p>
@@ -1823,7 +1824,7 @@
           <a:p>
             <a:fld id="{AE012AFE-1FD2-420A-8FDC-B1463C197541}" type="datetimeFigureOut">
               <a:rPr lang="de-DE" smtClean="0"/>
-              <a:t>23.06.2018</a:t>
+              <a:t>29.06.2018</a:t>
             </a:fld>
             <a:endParaRPr lang="de-DE"/>
           </a:p>
@@ -2100,7 +2101,7 @@
           <a:p>
             <a:fld id="{AE012AFE-1FD2-420A-8FDC-B1463C197541}" type="datetimeFigureOut">
               <a:rPr lang="de-DE" smtClean="0"/>
-              <a:t>23.06.2018</a:t>
+              <a:t>29.06.2018</a:t>
             </a:fld>
             <a:endParaRPr lang="de-DE"/>
           </a:p>
@@ -2353,7 +2354,7 @@
           <a:p>
             <a:fld id="{AE012AFE-1FD2-420A-8FDC-B1463C197541}" type="datetimeFigureOut">
               <a:rPr lang="de-DE" smtClean="0"/>
-              <a:t>23.06.2018</a:t>
+              <a:t>29.06.2018</a:t>
             </a:fld>
             <a:endParaRPr lang="de-DE"/>
           </a:p>
@@ -2566,7 +2567,7 @@
           <a:p>
             <a:fld id="{AE012AFE-1FD2-420A-8FDC-B1463C197541}" type="datetimeFigureOut">
               <a:rPr lang="de-DE" smtClean="0"/>
-              <a:t>23.06.2018</a:t>
+              <a:t>29.06.2018</a:t>
             </a:fld>
             <a:endParaRPr lang="de-DE"/>
           </a:p>
@@ -3847,6 +3848,947 @@
   <p:clrMapOvr>
     <a:masterClrMapping/>
   </p:clrMapOvr>
+  <p:timing>
+    <p:tnLst>
+      <p:par>
+        <p:cTn id="1" dur="indefinite" restart="never" nodeType="tmRoot"/>
+      </p:par>
+    </p:tnLst>
+  </p:timing>
+</p:sld>
+</file>
+
+<file path=ppt/slides/slide4.xml><?xml version="1.0" encoding="utf-8"?>
+<p:sld xmlns:a="http://schemas.openxmlformats.org/drawingml/2006/main" xmlns:r="http://schemas.openxmlformats.org/officeDocument/2006/relationships" xmlns:p="http://schemas.openxmlformats.org/presentationml/2006/main">
+  <p:cSld>
+    <p:spTree>
+      <p:nvGrpSpPr>
+        <p:cNvPr id="1" name=""/>
+        <p:cNvGrpSpPr/>
+        <p:nvPr/>
+      </p:nvGrpSpPr>
+      <p:grpSpPr>
+        <a:xfrm>
+          <a:off x="0" y="0"/>
+          <a:ext cx="0" cy="0"/>
+          <a:chOff x="0" y="0"/>
+          <a:chExt cx="0" cy="0"/>
+        </a:xfrm>
+      </p:grpSpPr>
+      <p:grpSp>
+        <p:nvGrpSpPr>
+          <p:cNvPr id="13" name="Gruppieren 12"/>
+          <p:cNvGrpSpPr/>
+          <p:nvPr/>
+        </p:nvGrpSpPr>
+        <p:grpSpPr>
+          <a:xfrm>
+            <a:off x="2198388" y="1799304"/>
+            <a:ext cx="7795225" cy="3259393"/>
+            <a:chOff x="1338943" y="1125794"/>
+            <a:chExt cx="7795225" cy="3259393"/>
+          </a:xfrm>
+        </p:grpSpPr>
+        <p:sp>
+          <p:nvSpPr>
+            <p:cNvPr id="4" name="Rechteck 3"/>
+            <p:cNvSpPr/>
+            <p:nvPr/>
+          </p:nvSpPr>
+          <p:spPr>
+            <a:xfrm>
+              <a:off x="1338943" y="1125794"/>
+              <a:ext cx="7795225" cy="3259393"/>
+            </a:xfrm>
+            <a:prstGeom prst="rect">
+              <a:avLst/>
+            </a:prstGeom>
+            <a:solidFill>
+              <a:schemeClr val="bg1"/>
+            </a:solidFill>
+          </p:spPr>
+          <p:style>
+            <a:lnRef idx="2">
+              <a:schemeClr val="accent1">
+                <a:shade val="50000"/>
+              </a:schemeClr>
+            </a:lnRef>
+            <a:fillRef idx="1">
+              <a:schemeClr val="accent1"/>
+            </a:fillRef>
+            <a:effectRef idx="0">
+              <a:schemeClr val="accent1"/>
+            </a:effectRef>
+            <a:fontRef idx="minor">
+              <a:schemeClr val="lt1"/>
+            </a:fontRef>
+          </p:style>
+          <p:txBody>
+            <a:bodyPr rtlCol="0" anchor="ctr"/>
+            <a:lstStyle/>
+            <a:p>
+              <a:pPr algn="ctr"/>
+              <a:r>
+                <a:rPr lang="de-DE" dirty="0" smtClean="0"/>
+                <a:t>Anwendung</a:t>
+              </a:r>
+              <a:endParaRPr lang="de-DE" dirty="0"/>
+            </a:p>
+          </p:txBody>
+        </p:sp>
+        <p:sp>
+          <p:nvSpPr>
+            <p:cNvPr id="8" name="Rechteck 7"/>
+            <p:cNvSpPr/>
+            <p:nvPr/>
+          </p:nvSpPr>
+          <p:spPr>
+            <a:xfrm>
+              <a:off x="1539751" y="1389196"/>
+              <a:ext cx="3128502" cy="784824"/>
+            </a:xfrm>
+            <a:prstGeom prst="rect">
+              <a:avLst/>
+            </a:prstGeom>
+            <a:solidFill>
+              <a:schemeClr val="accent4">
+                <a:lumMod val="20000"/>
+                <a:lumOff val="80000"/>
+              </a:schemeClr>
+            </a:solidFill>
+            <a:ln>
+              <a:noFill/>
+            </a:ln>
+          </p:spPr>
+          <p:style>
+            <a:lnRef idx="2">
+              <a:schemeClr val="accent1">
+                <a:shade val="50000"/>
+              </a:schemeClr>
+            </a:lnRef>
+            <a:fillRef idx="1">
+              <a:schemeClr val="accent1"/>
+            </a:fillRef>
+            <a:effectRef idx="0">
+              <a:schemeClr val="accent1"/>
+            </a:effectRef>
+            <a:fontRef idx="minor">
+              <a:schemeClr val="lt1"/>
+            </a:fontRef>
+          </p:style>
+          <p:txBody>
+            <a:bodyPr lIns="108000" tIns="0" rIns="0" bIns="0" rtlCol="0" anchor="t"/>
+            <a:lstStyle/>
+            <a:p>
+              <a:r>
+                <a:rPr lang="de-DE" dirty="0" err="1" smtClean="0">
+                  <a:solidFill>
+                    <a:schemeClr val="accent1">
+                      <a:lumMod val="50000"/>
+                    </a:schemeClr>
+                  </a:solidFill>
+                </a:rPr>
+                <a:t>Generate</a:t>
+              </a:r>
+              <a:r>
+                <a:rPr lang="de-DE" dirty="0" smtClean="0">
+                  <a:solidFill>
+                    <a:schemeClr val="accent1">
+                      <a:lumMod val="50000"/>
+                    </a:schemeClr>
+                  </a:solidFill>
+                </a:rPr>
+                <a:t> </a:t>
+              </a:r>
+              <a:r>
+                <a:rPr lang="de-DE" dirty="0" err="1" smtClean="0">
+                  <a:solidFill>
+                    <a:schemeClr val="accent1">
+                      <a:lumMod val="50000"/>
+                    </a:schemeClr>
+                  </a:solidFill>
+                </a:rPr>
+                <a:t>questionaire</a:t>
+              </a:r>
+              <a:r>
+                <a:rPr lang="de-DE" dirty="0">
+                  <a:solidFill>
+                    <a:schemeClr val="accent1">
+                      <a:lumMod val="50000"/>
+                    </a:schemeClr>
+                  </a:solidFill>
+                </a:rPr>
+                <a:t/>
+              </a:r>
+              <a:br>
+                <a:rPr lang="de-DE" dirty="0">
+                  <a:solidFill>
+                    <a:schemeClr val="accent1">
+                      <a:lumMod val="50000"/>
+                    </a:schemeClr>
+                  </a:solidFill>
+                </a:rPr>
+              </a:br>
+              <a:r>
+                <a:rPr lang="de-DE" dirty="0" err="1" smtClean="0">
+                  <a:solidFill>
+                    <a:schemeClr val="accent1">
+                      <a:lumMod val="50000"/>
+                    </a:schemeClr>
+                  </a:solidFill>
+                </a:rPr>
+                <a:t>template</a:t>
+              </a:r>
+              <a:endParaRPr lang="de-DE" dirty="0" smtClean="0">
+                <a:solidFill>
+                  <a:schemeClr val="accent1">
+                    <a:lumMod val="50000"/>
+                  </a:schemeClr>
+                </a:solidFill>
+              </a:endParaRPr>
+            </a:p>
+            <a:p>
+              <a:r>
+                <a:rPr lang="de-DE" sz="1200" dirty="0" smtClean="0">
+                  <a:solidFill>
+                    <a:schemeClr val="accent1">
+                      <a:lumMod val="50000"/>
+                    </a:schemeClr>
+                  </a:solidFill>
+                </a:rPr>
+                <a:t>/</a:t>
+              </a:r>
+              <a:r>
+                <a:rPr lang="de-DE" sz="1200" dirty="0" err="1">
+                  <a:solidFill>
+                    <a:schemeClr val="accent1">
+                      <a:lumMod val="50000"/>
+                    </a:schemeClr>
+                  </a:solidFill>
+                </a:rPr>
+                <a:t>survey</a:t>
+              </a:r>
+              <a:r>
+                <a:rPr lang="de-DE" sz="1200" dirty="0">
+                  <a:solidFill>
+                    <a:schemeClr val="accent1">
+                      <a:lumMod val="50000"/>
+                    </a:schemeClr>
+                  </a:solidFill>
+                </a:rPr>
+                <a:t>/generate-</a:t>
+              </a:r>
+              <a:r>
+                <a:rPr lang="de-DE" sz="1200" dirty="0" err="1">
+                  <a:solidFill>
+                    <a:schemeClr val="accent1">
+                      <a:lumMod val="50000"/>
+                    </a:schemeClr>
+                  </a:solidFill>
+                </a:rPr>
+                <a:t>questionaire</a:t>
+              </a:r>
+              <a:r>
+                <a:rPr lang="de-DE" sz="1200" dirty="0">
+                  <a:solidFill>
+                    <a:schemeClr val="accent1">
+                      <a:lumMod val="50000"/>
+                    </a:schemeClr>
+                  </a:solidFill>
+                </a:rPr>
+                <a:t>-templates</a:t>
+              </a:r>
+              <a:endParaRPr lang="de-DE" sz="1200" dirty="0">
+                <a:solidFill>
+                  <a:schemeClr val="accent1">
+                    <a:lumMod val="50000"/>
+                  </a:schemeClr>
+                </a:solidFill>
+              </a:endParaRPr>
+            </a:p>
+          </p:txBody>
+        </p:sp>
+        <p:sp>
+          <p:nvSpPr>
+            <p:cNvPr id="9" name="Rechteck 8"/>
+            <p:cNvSpPr/>
+            <p:nvPr/>
+          </p:nvSpPr>
+          <p:spPr>
+            <a:xfrm>
+              <a:off x="1553015" y="2348330"/>
+              <a:ext cx="3115237" cy="453864"/>
+            </a:xfrm>
+            <a:prstGeom prst="rect">
+              <a:avLst/>
+            </a:prstGeom>
+            <a:solidFill>
+              <a:schemeClr val="accent1">
+                <a:lumMod val="75000"/>
+              </a:schemeClr>
+            </a:solidFill>
+            <a:ln>
+              <a:noFill/>
+            </a:ln>
+          </p:spPr>
+          <p:style>
+            <a:lnRef idx="2">
+              <a:schemeClr val="accent1">
+                <a:shade val="50000"/>
+              </a:schemeClr>
+            </a:lnRef>
+            <a:fillRef idx="1">
+              <a:schemeClr val="accent1"/>
+            </a:fillRef>
+            <a:effectRef idx="0">
+              <a:schemeClr val="accent1"/>
+            </a:effectRef>
+            <a:fontRef idx="minor">
+              <a:schemeClr val="lt1"/>
+            </a:fontRef>
+          </p:style>
+          <p:txBody>
+            <a:bodyPr lIns="108000" rtlCol="0" anchor="ctr"/>
+            <a:lstStyle/>
+            <a:p>
+              <a:r>
+                <a:rPr lang="de-DE" sz="1200" dirty="0" err="1" smtClean="0"/>
+                <a:t>appdir</a:t>
+              </a:r>
+              <a:r>
+                <a:rPr lang="de-DE" sz="1200" dirty="0" smtClean="0"/>
+                <a:t>/</a:t>
+              </a:r>
+              <a:r>
+                <a:rPr lang="de-DE" sz="1200" dirty="0" err="1" smtClean="0"/>
+                <a:t>responses</a:t>
+              </a:r>
+              <a:r>
+                <a:rPr lang="de-DE" sz="1200" dirty="0" smtClean="0"/>
+                <a:t>/[</a:t>
+              </a:r>
+              <a:r>
+                <a:rPr lang="de-DE" sz="1200" dirty="0" err="1" smtClean="0"/>
+                <a:t>survey_id</a:t>
+              </a:r>
+              <a:r>
+                <a:rPr lang="de-DE" sz="1200" dirty="0" smtClean="0"/>
+                <a:t>].</a:t>
+              </a:r>
+              <a:r>
+                <a:rPr lang="de-DE" sz="1200" dirty="0" err="1" smtClean="0"/>
+                <a:t>json</a:t>
+              </a:r>
+              <a:endParaRPr lang="de-DE" sz="1200" dirty="0"/>
+            </a:p>
+          </p:txBody>
+        </p:sp>
+        <p:sp>
+          <p:nvSpPr>
+            <p:cNvPr id="10" name="Pfeil nach rechts 9"/>
+            <p:cNvSpPr/>
+            <p:nvPr/>
+          </p:nvSpPr>
+          <p:spPr>
+            <a:xfrm>
+              <a:off x="4825215" y="1709411"/>
+              <a:ext cx="625643" cy="778150"/>
+            </a:xfrm>
+            <a:prstGeom prst="rightArrow">
+              <a:avLst>
+                <a:gd name="adj1" fmla="val 29267"/>
+                <a:gd name="adj2" fmla="val 43714"/>
+              </a:avLst>
+            </a:prstGeom>
+            <a:solidFill>
+              <a:schemeClr val="bg1">
+                <a:lumMod val="85000"/>
+              </a:schemeClr>
+            </a:solidFill>
+            <a:ln>
+              <a:noFill/>
+            </a:ln>
+          </p:spPr>
+          <p:style>
+            <a:lnRef idx="2">
+              <a:schemeClr val="accent1">
+                <a:shade val="50000"/>
+              </a:schemeClr>
+            </a:lnRef>
+            <a:fillRef idx="1">
+              <a:schemeClr val="accent1"/>
+            </a:fillRef>
+            <a:effectRef idx="0">
+              <a:schemeClr val="accent1"/>
+            </a:effectRef>
+            <a:fontRef idx="minor">
+              <a:schemeClr val="lt1"/>
+            </a:fontRef>
+          </p:style>
+          <p:txBody>
+            <a:bodyPr rtlCol="0" anchor="ctr"/>
+            <a:lstStyle/>
+            <a:p>
+              <a:pPr algn="ctr"/>
+              <a:endParaRPr lang="de-DE"/>
+            </a:p>
+          </p:txBody>
+        </p:sp>
+        <p:sp>
+          <p:nvSpPr>
+            <p:cNvPr id="11" name="Rechteck 10"/>
+            <p:cNvSpPr/>
+            <p:nvPr/>
+          </p:nvSpPr>
+          <p:spPr>
+            <a:xfrm>
+              <a:off x="5607819" y="1389196"/>
+              <a:ext cx="3280541" cy="567423"/>
+            </a:xfrm>
+            <a:prstGeom prst="rect">
+              <a:avLst/>
+            </a:prstGeom>
+            <a:solidFill>
+              <a:schemeClr val="accent4">
+                <a:lumMod val="20000"/>
+                <a:lumOff val="80000"/>
+              </a:schemeClr>
+            </a:solidFill>
+            <a:ln>
+              <a:noFill/>
+            </a:ln>
+          </p:spPr>
+          <p:style>
+            <a:lnRef idx="2">
+              <a:schemeClr val="accent1">
+                <a:shade val="50000"/>
+              </a:schemeClr>
+            </a:lnRef>
+            <a:fillRef idx="1">
+              <a:schemeClr val="accent1"/>
+            </a:fillRef>
+            <a:effectRef idx="0">
+              <a:schemeClr val="accent1"/>
+            </a:effectRef>
+            <a:fontRef idx="minor">
+              <a:schemeClr val="lt1"/>
+            </a:fontRef>
+          </p:style>
+          <p:txBody>
+            <a:bodyPr lIns="108000" tIns="0" rIns="0" bIns="0" rtlCol="0" anchor="t"/>
+            <a:lstStyle/>
+            <a:p>
+              <a:r>
+                <a:rPr lang="de-DE" dirty="0" err="1" smtClean="0">
+                  <a:solidFill>
+                    <a:schemeClr val="accent1">
+                      <a:lumMod val="50000"/>
+                    </a:schemeClr>
+                  </a:solidFill>
+                </a:rPr>
+                <a:t>Participant</a:t>
+              </a:r>
+              <a:r>
+                <a:rPr lang="de-DE" dirty="0" smtClean="0">
+                  <a:solidFill>
+                    <a:schemeClr val="accent1">
+                      <a:lumMod val="50000"/>
+                    </a:schemeClr>
+                  </a:solidFill>
+                </a:rPr>
+                <a:t> 1</a:t>
+              </a:r>
+              <a:endParaRPr lang="de-DE" dirty="0" smtClean="0">
+                <a:solidFill>
+                  <a:schemeClr val="accent1">
+                    <a:lumMod val="50000"/>
+                  </a:schemeClr>
+                </a:solidFill>
+              </a:endParaRPr>
+            </a:p>
+            <a:p>
+              <a:r>
+                <a:rPr lang="de-DE" sz="1200" dirty="0" smtClean="0">
+                  <a:solidFill>
+                    <a:schemeClr val="accent1">
+                      <a:lumMod val="50000"/>
+                    </a:schemeClr>
+                  </a:solidFill>
+                </a:rPr>
+                <a:t>/</a:t>
+              </a:r>
+              <a:r>
+                <a:rPr lang="de-DE" sz="1200" dirty="0" err="1" smtClean="0">
+                  <a:solidFill>
+                    <a:schemeClr val="accent1">
+                      <a:lumMod val="50000"/>
+                    </a:schemeClr>
+                  </a:solidFill>
+                </a:rPr>
+                <a:t>survey?u</a:t>
+              </a:r>
+              <a:r>
+                <a:rPr lang="de-DE" sz="1200" dirty="0" smtClean="0">
+                  <a:solidFill>
+                    <a:schemeClr val="accent1">
+                      <a:lumMod val="50000"/>
+                    </a:schemeClr>
+                  </a:solidFill>
+                </a:rPr>
+                <a:t>=</a:t>
+              </a:r>
+              <a:r>
+                <a:rPr lang="de-DE" sz="1200" dirty="0" err="1" smtClean="0">
+                  <a:solidFill>
+                    <a:schemeClr val="accent1">
+                      <a:lumMod val="50000"/>
+                    </a:schemeClr>
+                  </a:solidFill>
+                </a:rPr>
+                <a:t>1&amp;page</a:t>
+              </a:r>
+              <a:r>
+                <a:rPr lang="de-DE" sz="1200" dirty="0" smtClean="0">
+                  <a:solidFill>
+                    <a:schemeClr val="accent1">
+                      <a:lumMod val="50000"/>
+                    </a:schemeClr>
+                  </a:solidFill>
+                </a:rPr>
+                <a:t>=</a:t>
+              </a:r>
+              <a:r>
+                <a:rPr lang="de-DE" sz="1200" dirty="0" err="1" smtClean="0">
+                  <a:solidFill>
+                    <a:schemeClr val="accent1">
+                      <a:lumMod val="50000"/>
+                    </a:schemeClr>
+                  </a:solidFill>
+                </a:rPr>
+                <a:t>1&amp;hash</a:t>
+              </a:r>
+              <a:r>
+                <a:rPr lang="de-DE" sz="1200" dirty="0" smtClean="0">
+                  <a:solidFill>
+                    <a:schemeClr val="accent1">
+                      <a:lumMod val="50000"/>
+                    </a:schemeClr>
+                  </a:solidFill>
+                </a:rPr>
+                <a:t>=...</a:t>
+              </a:r>
+              <a:endParaRPr lang="de-DE" sz="1200" dirty="0">
+                <a:solidFill>
+                  <a:schemeClr val="accent1">
+                    <a:lumMod val="50000"/>
+                  </a:schemeClr>
+                </a:solidFill>
+              </a:endParaRPr>
+            </a:p>
+          </p:txBody>
+        </p:sp>
+        <p:sp>
+          <p:nvSpPr>
+            <p:cNvPr id="12" name="Rechteck 11"/>
+            <p:cNvSpPr/>
+            <p:nvPr/>
+          </p:nvSpPr>
+          <p:spPr>
+            <a:xfrm>
+              <a:off x="5607820" y="2033697"/>
+              <a:ext cx="3280540" cy="453864"/>
+            </a:xfrm>
+            <a:prstGeom prst="rect">
+              <a:avLst/>
+            </a:prstGeom>
+            <a:solidFill>
+              <a:schemeClr val="accent1">
+                <a:lumMod val="75000"/>
+              </a:schemeClr>
+            </a:solidFill>
+            <a:ln>
+              <a:noFill/>
+            </a:ln>
+          </p:spPr>
+          <p:style>
+            <a:lnRef idx="2">
+              <a:schemeClr val="accent1">
+                <a:shade val="50000"/>
+              </a:schemeClr>
+            </a:lnRef>
+            <a:fillRef idx="1">
+              <a:schemeClr val="accent1"/>
+            </a:fillRef>
+            <a:effectRef idx="0">
+              <a:schemeClr val="accent1"/>
+            </a:effectRef>
+            <a:fontRef idx="minor">
+              <a:schemeClr val="lt1"/>
+            </a:fontRef>
+          </p:style>
+          <p:txBody>
+            <a:bodyPr lIns="108000" rtlCol="0" anchor="ctr"/>
+            <a:lstStyle/>
+            <a:p>
+              <a:r>
+                <a:rPr lang="de-DE" sz="1200" dirty="0" err="1" smtClean="0"/>
+                <a:t>appdir</a:t>
+              </a:r>
+              <a:r>
+                <a:rPr lang="de-DE" sz="1200" dirty="0" smtClean="0"/>
+                <a:t>/</a:t>
+              </a:r>
+              <a:r>
+                <a:rPr lang="de-DE" sz="1200" dirty="0" err="1" smtClean="0"/>
+                <a:t>responses</a:t>
+              </a:r>
+              <a:r>
+                <a:rPr lang="de-DE" sz="1200" dirty="0" smtClean="0"/>
+                <a:t>/[</a:t>
+              </a:r>
+              <a:r>
+                <a:rPr lang="de-DE" sz="1200" dirty="0" err="1" smtClean="0"/>
+                <a:t>survey_id</a:t>
+              </a:r>
+              <a:r>
+                <a:rPr lang="de-DE" sz="1200" dirty="0" smtClean="0"/>
+                <a:t>]/[</a:t>
+              </a:r>
+              <a:r>
+                <a:rPr lang="de-DE" sz="1200" dirty="0" err="1" smtClean="0"/>
+                <a:t>wave</a:t>
+              </a:r>
+              <a:r>
+                <a:rPr lang="de-DE" sz="1200" dirty="0" err="1" smtClean="0"/>
+                <a:t>_id</a:t>
+              </a:r>
+              <a:r>
+                <a:rPr lang="de-DE" sz="1200" dirty="0" smtClean="0"/>
+                <a:t>]/</a:t>
+              </a:r>
+              <a:r>
+                <a:rPr lang="de-DE" sz="1200" dirty="0" err="1" smtClean="0"/>
+                <a:t>1.json</a:t>
+              </a:r>
+              <a:endParaRPr lang="de-DE" sz="1200" dirty="0"/>
+            </a:p>
+          </p:txBody>
+        </p:sp>
+        <p:sp>
+          <p:nvSpPr>
+            <p:cNvPr id="6" name="Rechteckiger Pfeil 5"/>
+            <p:cNvSpPr/>
+            <p:nvPr/>
+          </p:nvSpPr>
+          <p:spPr>
+            <a:xfrm flipV="1">
+              <a:off x="4825214" y="2174020"/>
+              <a:ext cx="625644" cy="1385254"/>
+            </a:xfrm>
+            <a:prstGeom prst="bentArrow">
+              <a:avLst>
+                <a:gd name="adj1" fmla="val 41056"/>
+                <a:gd name="adj2" fmla="val 50000"/>
+                <a:gd name="adj3" fmla="val 47478"/>
+                <a:gd name="adj4" fmla="val 42145"/>
+              </a:avLst>
+            </a:prstGeom>
+            <a:solidFill>
+              <a:schemeClr val="bg1">
+                <a:lumMod val="85000"/>
+              </a:schemeClr>
+            </a:solidFill>
+            <a:ln>
+              <a:noFill/>
+            </a:ln>
+          </p:spPr>
+          <p:style>
+            <a:lnRef idx="2">
+              <a:schemeClr val="accent1">
+                <a:shade val="50000"/>
+              </a:schemeClr>
+            </a:lnRef>
+            <a:fillRef idx="1">
+              <a:schemeClr val="accent1"/>
+            </a:fillRef>
+            <a:effectRef idx="0">
+              <a:schemeClr val="accent1"/>
+            </a:effectRef>
+            <a:fontRef idx="minor">
+              <a:schemeClr val="lt1"/>
+            </a:fontRef>
+          </p:style>
+          <p:txBody>
+            <a:bodyPr rtlCol="0" anchor="ctr"/>
+            <a:lstStyle/>
+            <a:p>
+              <a:pPr algn="ctr"/>
+              <a:endParaRPr lang="de-DE">
+                <a:solidFill>
+                  <a:schemeClr val="tx1"/>
+                </a:solidFill>
+              </a:endParaRPr>
+            </a:p>
+          </p:txBody>
+        </p:sp>
+        <p:sp>
+          <p:nvSpPr>
+            <p:cNvPr id="14" name="Rechteck 13"/>
+            <p:cNvSpPr/>
+            <p:nvPr/>
+          </p:nvSpPr>
+          <p:spPr>
+            <a:xfrm>
+              <a:off x="5607819" y="2991851"/>
+              <a:ext cx="3280541" cy="567423"/>
+            </a:xfrm>
+            <a:prstGeom prst="rect">
+              <a:avLst/>
+            </a:prstGeom>
+            <a:solidFill>
+              <a:schemeClr val="accent4">
+                <a:lumMod val="20000"/>
+                <a:lumOff val="80000"/>
+              </a:schemeClr>
+            </a:solidFill>
+            <a:ln>
+              <a:noFill/>
+            </a:ln>
+          </p:spPr>
+          <p:style>
+            <a:lnRef idx="2">
+              <a:schemeClr val="accent1">
+                <a:shade val="50000"/>
+              </a:schemeClr>
+            </a:lnRef>
+            <a:fillRef idx="1">
+              <a:schemeClr val="accent1"/>
+            </a:fillRef>
+            <a:effectRef idx="0">
+              <a:schemeClr val="accent1"/>
+            </a:effectRef>
+            <a:fontRef idx="minor">
+              <a:schemeClr val="lt1"/>
+            </a:fontRef>
+          </p:style>
+          <p:txBody>
+            <a:bodyPr lIns="108000" tIns="0" rIns="0" bIns="0" rtlCol="0" anchor="t"/>
+            <a:lstStyle/>
+            <a:p>
+              <a:r>
+                <a:rPr lang="de-DE" dirty="0" err="1" smtClean="0">
+                  <a:solidFill>
+                    <a:schemeClr val="accent1">
+                      <a:lumMod val="50000"/>
+                    </a:schemeClr>
+                  </a:solidFill>
+                </a:rPr>
+                <a:t>Participant</a:t>
+              </a:r>
+              <a:r>
+                <a:rPr lang="de-DE" dirty="0" smtClean="0">
+                  <a:solidFill>
+                    <a:schemeClr val="accent1">
+                      <a:lumMod val="50000"/>
+                    </a:schemeClr>
+                  </a:solidFill>
+                </a:rPr>
+                <a:t> 2</a:t>
+              </a:r>
+              <a:endParaRPr lang="de-DE" dirty="0" smtClean="0">
+                <a:solidFill>
+                  <a:schemeClr val="accent1">
+                    <a:lumMod val="50000"/>
+                  </a:schemeClr>
+                </a:solidFill>
+              </a:endParaRPr>
+            </a:p>
+            <a:p>
+              <a:r>
+                <a:rPr lang="de-DE" sz="1200" dirty="0" smtClean="0">
+                  <a:solidFill>
+                    <a:schemeClr val="accent1">
+                      <a:lumMod val="50000"/>
+                    </a:schemeClr>
+                  </a:solidFill>
+                </a:rPr>
+                <a:t>/</a:t>
+              </a:r>
+              <a:r>
+                <a:rPr lang="de-DE" sz="1200" dirty="0" err="1" smtClean="0">
+                  <a:solidFill>
+                    <a:schemeClr val="accent1">
+                      <a:lumMod val="50000"/>
+                    </a:schemeClr>
+                  </a:solidFill>
+                </a:rPr>
+                <a:t>survey?u</a:t>
+              </a:r>
+              <a:r>
+                <a:rPr lang="de-DE" sz="1200" dirty="0" smtClean="0">
+                  <a:solidFill>
+                    <a:schemeClr val="accent1">
+                      <a:lumMod val="50000"/>
+                    </a:schemeClr>
+                  </a:solidFill>
+                </a:rPr>
+                <a:t>=</a:t>
+              </a:r>
+              <a:r>
+                <a:rPr lang="de-DE" sz="1200" dirty="0" err="1" smtClean="0">
+                  <a:solidFill>
+                    <a:schemeClr val="accent1">
+                      <a:lumMod val="50000"/>
+                    </a:schemeClr>
+                  </a:solidFill>
+                </a:rPr>
+                <a:t>2&amp;page</a:t>
+              </a:r>
+              <a:r>
+                <a:rPr lang="de-DE" sz="1200" dirty="0" smtClean="0">
+                  <a:solidFill>
+                    <a:schemeClr val="accent1">
+                      <a:lumMod val="50000"/>
+                    </a:schemeClr>
+                  </a:solidFill>
+                </a:rPr>
+                <a:t>=</a:t>
+              </a:r>
+              <a:r>
+                <a:rPr lang="de-DE" sz="1200" dirty="0" err="1" smtClean="0">
+                  <a:solidFill>
+                    <a:schemeClr val="accent1">
+                      <a:lumMod val="50000"/>
+                    </a:schemeClr>
+                  </a:solidFill>
+                </a:rPr>
+                <a:t>1&amp;hash</a:t>
+              </a:r>
+              <a:r>
+                <a:rPr lang="de-DE" sz="1200" dirty="0" smtClean="0">
+                  <a:solidFill>
+                    <a:schemeClr val="accent1">
+                      <a:lumMod val="50000"/>
+                    </a:schemeClr>
+                  </a:solidFill>
+                </a:rPr>
+                <a:t>=...</a:t>
+              </a:r>
+              <a:endParaRPr lang="de-DE" sz="1200" dirty="0">
+                <a:solidFill>
+                  <a:schemeClr val="accent1">
+                    <a:lumMod val="50000"/>
+                  </a:schemeClr>
+                </a:solidFill>
+              </a:endParaRPr>
+            </a:p>
+          </p:txBody>
+        </p:sp>
+        <p:sp>
+          <p:nvSpPr>
+            <p:cNvPr id="16" name="Rechteck 15"/>
+            <p:cNvSpPr/>
+            <p:nvPr/>
+          </p:nvSpPr>
+          <p:spPr>
+            <a:xfrm>
+              <a:off x="5607820" y="3636352"/>
+              <a:ext cx="3280540" cy="453864"/>
+            </a:xfrm>
+            <a:prstGeom prst="rect">
+              <a:avLst/>
+            </a:prstGeom>
+            <a:solidFill>
+              <a:schemeClr val="accent1">
+                <a:lumMod val="75000"/>
+              </a:schemeClr>
+            </a:solidFill>
+            <a:ln>
+              <a:noFill/>
+            </a:ln>
+          </p:spPr>
+          <p:style>
+            <a:lnRef idx="2">
+              <a:schemeClr val="accent1">
+                <a:shade val="50000"/>
+              </a:schemeClr>
+            </a:lnRef>
+            <a:fillRef idx="1">
+              <a:schemeClr val="accent1"/>
+            </a:fillRef>
+            <a:effectRef idx="0">
+              <a:schemeClr val="accent1"/>
+            </a:effectRef>
+            <a:fontRef idx="minor">
+              <a:schemeClr val="lt1"/>
+            </a:fontRef>
+          </p:style>
+          <p:txBody>
+            <a:bodyPr lIns="108000" rtlCol="0" anchor="ctr"/>
+            <a:lstStyle/>
+            <a:p>
+              <a:r>
+                <a:rPr lang="de-DE" sz="1200" dirty="0" err="1" smtClean="0"/>
+                <a:t>appdir</a:t>
+              </a:r>
+              <a:r>
+                <a:rPr lang="de-DE" sz="1200" dirty="0" smtClean="0"/>
+                <a:t>/</a:t>
+              </a:r>
+              <a:r>
+                <a:rPr lang="de-DE" sz="1200" dirty="0" err="1" smtClean="0"/>
+                <a:t>responses</a:t>
+              </a:r>
+              <a:r>
+                <a:rPr lang="de-DE" sz="1200" dirty="0" smtClean="0"/>
+                <a:t>/[</a:t>
+              </a:r>
+              <a:r>
+                <a:rPr lang="de-DE" sz="1200" dirty="0" err="1" smtClean="0"/>
+                <a:t>survey_id</a:t>
+              </a:r>
+              <a:r>
+                <a:rPr lang="de-DE" sz="1200" dirty="0" smtClean="0"/>
+                <a:t>]/[</a:t>
+              </a:r>
+              <a:r>
+                <a:rPr lang="de-DE" sz="1200" dirty="0" err="1" smtClean="0"/>
+                <a:t>wave</a:t>
+              </a:r>
+              <a:r>
+                <a:rPr lang="de-DE" sz="1200" dirty="0" err="1" smtClean="0"/>
+                <a:t>_id</a:t>
+              </a:r>
+              <a:r>
+                <a:rPr lang="de-DE" sz="1200" dirty="0" smtClean="0"/>
+                <a:t>]/</a:t>
+              </a:r>
+              <a:r>
+                <a:rPr lang="de-DE" sz="1200" dirty="0" err="1" smtClean="0"/>
+                <a:t>2.json</a:t>
+              </a:r>
+              <a:endParaRPr lang="de-DE" sz="1200" dirty="0"/>
+            </a:p>
+          </p:txBody>
+        </p:sp>
+      </p:grpSp>
+    </p:spTree>
+    <p:extLst>
+      <p:ext uri="{BB962C8B-B14F-4D97-AF65-F5344CB8AC3E}">
+        <p14:creationId xmlns:p14="http://schemas.microsoft.com/office/powerpoint/2010/main" val="3688691443"/>
+      </p:ext>
+    </p:extLst>
+  </p:cSld>
+  <p:clrMapOvr>
+    <a:masterClrMapping/>
+  </p:clrMapOvr>
+  <p:timing>
+    <p:tnLst>
+      <p:par>
+        <p:cTn id="1" dur="indefinite" restart="never" nodeType="tmRoot"/>
+      </p:par>
+    </p:tnLst>
+  </p:timing>
 </p:sld>
 </file>
 

--- a/static/img/doc/pics.pptx
+++ b/static/img/doc/pics.pptx
@@ -7,8 +7,10 @@
   <p:sldIdLst>
     <p:sldId id="256" r:id="rId2"/>
     <p:sldId id="257" r:id="rId3"/>
-    <p:sldId id="258" r:id="rId4"/>
-    <p:sldId id="259" r:id="rId5"/>
+    <p:sldId id="260" r:id="rId4"/>
+    <p:sldId id="261" r:id="rId5"/>
+    <p:sldId id="258" r:id="rId6"/>
+    <p:sldId id="259" r:id="rId7"/>
   </p:sldIdLst>
   <p:sldSz cx="12192000" cy="6858000"/>
   <p:notesSz cx="6858000" cy="9144000"/>
@@ -246,7 +248,7 @@
           <a:p>
             <a:fld id="{AE012AFE-1FD2-420A-8FDC-B1463C197541}" type="datetimeFigureOut">
               <a:rPr lang="de-DE" smtClean="0"/>
-              <a:t>29.06.2018</a:t>
+              <a:t>31.07.2018</a:t>
             </a:fld>
             <a:endParaRPr lang="de-DE"/>
           </a:p>
@@ -416,7 +418,7 @@
           <a:p>
             <a:fld id="{AE012AFE-1FD2-420A-8FDC-B1463C197541}" type="datetimeFigureOut">
               <a:rPr lang="de-DE" smtClean="0"/>
-              <a:t>29.06.2018</a:t>
+              <a:t>31.07.2018</a:t>
             </a:fld>
             <a:endParaRPr lang="de-DE"/>
           </a:p>
@@ -596,7 +598,7 @@
           <a:p>
             <a:fld id="{AE012AFE-1FD2-420A-8FDC-B1463C197541}" type="datetimeFigureOut">
               <a:rPr lang="de-DE" smtClean="0"/>
-              <a:t>29.06.2018</a:t>
+              <a:t>31.07.2018</a:t>
             </a:fld>
             <a:endParaRPr lang="de-DE"/>
           </a:p>
@@ -766,7 +768,7 @@
           <a:p>
             <a:fld id="{AE012AFE-1FD2-420A-8FDC-B1463C197541}" type="datetimeFigureOut">
               <a:rPr lang="de-DE" smtClean="0"/>
-              <a:t>29.06.2018</a:t>
+              <a:t>31.07.2018</a:t>
             </a:fld>
             <a:endParaRPr lang="de-DE"/>
           </a:p>
@@ -1012,7 +1014,7 @@
           <a:p>
             <a:fld id="{AE012AFE-1FD2-420A-8FDC-B1463C197541}" type="datetimeFigureOut">
               <a:rPr lang="de-DE" smtClean="0"/>
-              <a:t>29.06.2018</a:t>
+              <a:t>31.07.2018</a:t>
             </a:fld>
             <a:endParaRPr lang="de-DE"/>
           </a:p>
@@ -1244,7 +1246,7 @@
           <a:p>
             <a:fld id="{AE012AFE-1FD2-420A-8FDC-B1463C197541}" type="datetimeFigureOut">
               <a:rPr lang="de-DE" smtClean="0"/>
-              <a:t>29.06.2018</a:t>
+              <a:t>31.07.2018</a:t>
             </a:fld>
             <a:endParaRPr lang="de-DE"/>
           </a:p>
@@ -1611,7 +1613,7 @@
           <a:p>
             <a:fld id="{AE012AFE-1FD2-420A-8FDC-B1463C197541}" type="datetimeFigureOut">
               <a:rPr lang="de-DE" smtClean="0"/>
-              <a:t>29.06.2018</a:t>
+              <a:t>31.07.2018</a:t>
             </a:fld>
             <a:endParaRPr lang="de-DE"/>
           </a:p>
@@ -1729,7 +1731,7 @@
           <a:p>
             <a:fld id="{AE012AFE-1FD2-420A-8FDC-B1463C197541}" type="datetimeFigureOut">
               <a:rPr lang="de-DE" smtClean="0"/>
-              <a:t>29.06.2018</a:t>
+              <a:t>31.07.2018</a:t>
             </a:fld>
             <a:endParaRPr lang="de-DE"/>
           </a:p>
@@ -1824,7 +1826,7 @@
           <a:p>
             <a:fld id="{AE012AFE-1FD2-420A-8FDC-B1463C197541}" type="datetimeFigureOut">
               <a:rPr lang="de-DE" smtClean="0"/>
-              <a:t>29.06.2018</a:t>
+              <a:t>31.07.2018</a:t>
             </a:fld>
             <a:endParaRPr lang="de-DE"/>
           </a:p>
@@ -2101,7 +2103,7 @@
           <a:p>
             <a:fld id="{AE012AFE-1FD2-420A-8FDC-B1463C197541}" type="datetimeFigureOut">
               <a:rPr lang="de-DE" smtClean="0"/>
-              <a:t>29.06.2018</a:t>
+              <a:t>31.07.2018</a:t>
             </a:fld>
             <a:endParaRPr lang="de-DE"/>
           </a:p>
@@ -2354,7 +2356,7 @@
           <a:p>
             <a:fld id="{AE012AFE-1FD2-420A-8FDC-B1463C197541}" type="datetimeFigureOut">
               <a:rPr lang="de-DE" smtClean="0"/>
-              <a:t>29.06.2018</a:t>
+              <a:t>31.07.2018</a:t>
             </a:fld>
             <a:endParaRPr lang="de-DE"/>
           </a:p>
@@ -2567,7 +2569,7 @@
           <a:p>
             <a:fld id="{AE012AFE-1FD2-420A-8FDC-B1463C197541}" type="datetimeFigureOut">
               <a:rPr lang="de-DE" smtClean="0"/>
-              <a:t>29.06.2018</a:t>
+              <a:t>31.07.2018</a:t>
             </a:fld>
             <a:endParaRPr lang="de-DE"/>
           </a:p>
@@ -3280,6 +3282,49 @@
       </p:sp>
       <p:sp>
         <p:nvSpPr>
+          <p:cNvPr id="11" name="Rechteck 10"/>
+          <p:cNvSpPr/>
+          <p:nvPr/>
+        </p:nvSpPr>
+        <p:spPr>
+          <a:xfrm>
+            <a:off x="2654968" y="2141621"/>
+            <a:ext cx="3424990" cy="1844842"/>
+          </a:xfrm>
+          <a:prstGeom prst="rect">
+            <a:avLst/>
+          </a:prstGeom>
+          <a:ln>
+            <a:noFill/>
+          </a:ln>
+        </p:spPr>
+        <p:style>
+          <a:lnRef idx="2">
+            <a:schemeClr val="accent1">
+              <a:shade val="50000"/>
+            </a:schemeClr>
+          </a:lnRef>
+          <a:fillRef idx="1">
+            <a:schemeClr val="accent1"/>
+          </a:fillRef>
+          <a:effectRef idx="0">
+            <a:schemeClr val="accent1"/>
+          </a:effectRef>
+          <a:fontRef idx="minor">
+            <a:schemeClr val="lt1"/>
+          </a:fontRef>
+        </p:style>
+        <p:txBody>
+          <a:bodyPr rtlCol="0" anchor="ctr"/>
+          <a:lstStyle/>
+          <a:p>
+            <a:pPr algn="ctr"/>
+            <a:endParaRPr lang="de-DE"/>
+          </a:p>
+        </p:txBody>
+      </p:sp>
+      <p:sp>
+        <p:nvSpPr>
           <p:cNvPr id="6" name="Rechteck 5"/>
           <p:cNvSpPr/>
           <p:nvPr/>
@@ -3610,6 +3655,1732 @@
         </p:nvSpPr>
         <p:spPr>
           <a:xfrm>
+            <a:off x="2181726" y="1572126"/>
+            <a:ext cx="4371474" cy="2983832"/>
+          </a:xfrm>
+          <a:prstGeom prst="rect">
+            <a:avLst/>
+          </a:prstGeom>
+          <a:solidFill>
+            <a:schemeClr val="bg1"/>
+          </a:solidFill>
+        </p:spPr>
+        <p:style>
+          <a:lnRef idx="2">
+            <a:schemeClr val="accent1">
+              <a:shade val="50000"/>
+            </a:schemeClr>
+          </a:lnRef>
+          <a:fillRef idx="1">
+            <a:schemeClr val="accent1"/>
+          </a:fillRef>
+          <a:effectRef idx="0">
+            <a:schemeClr val="accent1"/>
+          </a:effectRef>
+          <a:fontRef idx="minor">
+            <a:schemeClr val="lt1"/>
+          </a:fontRef>
+        </p:style>
+        <p:txBody>
+          <a:bodyPr rtlCol="0" anchor="ctr"/>
+          <a:lstStyle/>
+          <a:p>
+            <a:pPr algn="ctr"/>
+            <a:endParaRPr lang="de-DE"/>
+          </a:p>
+        </p:txBody>
+      </p:sp>
+      <p:sp>
+        <p:nvSpPr>
+          <p:cNvPr id="27" name="Rechteck 26"/>
+          <p:cNvSpPr/>
+          <p:nvPr/>
+        </p:nvSpPr>
+        <p:spPr>
+          <a:xfrm>
+            <a:off x="2654968" y="2141621"/>
+            <a:ext cx="3424990" cy="1844842"/>
+          </a:xfrm>
+          <a:prstGeom prst="rect">
+            <a:avLst/>
+          </a:prstGeom>
+          <a:ln>
+            <a:noFill/>
+          </a:ln>
+        </p:spPr>
+        <p:style>
+          <a:lnRef idx="2">
+            <a:schemeClr val="accent1">
+              <a:shade val="50000"/>
+            </a:schemeClr>
+          </a:lnRef>
+          <a:fillRef idx="1">
+            <a:schemeClr val="accent1"/>
+          </a:fillRef>
+          <a:effectRef idx="0">
+            <a:schemeClr val="accent1"/>
+          </a:effectRef>
+          <a:fontRef idx="minor">
+            <a:schemeClr val="lt1"/>
+          </a:fontRef>
+        </p:style>
+        <p:txBody>
+          <a:bodyPr rtlCol="0" anchor="ctr"/>
+          <a:lstStyle/>
+          <a:p>
+            <a:pPr algn="ctr"/>
+            <a:endParaRPr lang="de-DE"/>
+          </a:p>
+        </p:txBody>
+      </p:sp>
+      <p:sp>
+        <p:nvSpPr>
+          <p:cNvPr id="6" name="Rechteck 5"/>
+          <p:cNvSpPr/>
+          <p:nvPr/>
+        </p:nvSpPr>
+        <p:spPr>
+          <a:xfrm>
+            <a:off x="3280611" y="2141621"/>
+            <a:ext cx="2173704" cy="1844842"/>
+          </a:xfrm>
+          <a:prstGeom prst="rect">
+            <a:avLst/>
+          </a:prstGeom>
+          <a:solidFill>
+            <a:schemeClr val="accent1">
+              <a:lumMod val="40000"/>
+              <a:lumOff val="60000"/>
+            </a:schemeClr>
+          </a:solidFill>
+          <a:ln>
+            <a:noFill/>
+          </a:ln>
+        </p:spPr>
+        <p:style>
+          <a:lnRef idx="2">
+            <a:schemeClr val="accent1">
+              <a:shade val="50000"/>
+            </a:schemeClr>
+          </a:lnRef>
+          <a:fillRef idx="1">
+            <a:schemeClr val="accent1"/>
+          </a:fillRef>
+          <a:effectRef idx="0">
+            <a:schemeClr val="accent1"/>
+          </a:effectRef>
+          <a:fontRef idx="minor">
+            <a:schemeClr val="lt1"/>
+          </a:fontRef>
+        </p:style>
+        <p:txBody>
+          <a:bodyPr rtlCol="0" anchor="ctr"/>
+          <a:lstStyle/>
+          <a:p>
+            <a:pPr algn="ctr"/>
+            <a:endParaRPr lang="de-DE"/>
+          </a:p>
+        </p:txBody>
+      </p:sp>
+      <p:sp>
+        <p:nvSpPr>
+          <p:cNvPr id="9" name="Rechteck 8"/>
+          <p:cNvSpPr/>
+          <p:nvPr/>
+        </p:nvSpPr>
+        <p:spPr>
+          <a:xfrm>
+            <a:off x="3280611" y="2141621"/>
+            <a:ext cx="2173704" cy="537411"/>
+          </a:xfrm>
+          <a:prstGeom prst="rect">
+            <a:avLst/>
+          </a:prstGeom>
+          <a:solidFill>
+            <a:schemeClr val="accent1">
+              <a:lumMod val="20000"/>
+              <a:lumOff val="80000"/>
+            </a:schemeClr>
+          </a:solidFill>
+          <a:ln>
+            <a:noFill/>
+          </a:ln>
+        </p:spPr>
+        <p:style>
+          <a:lnRef idx="2">
+            <a:schemeClr val="accent1">
+              <a:shade val="50000"/>
+            </a:schemeClr>
+          </a:lnRef>
+          <a:fillRef idx="1">
+            <a:schemeClr val="accent1"/>
+          </a:fillRef>
+          <a:effectRef idx="0">
+            <a:schemeClr val="accent1"/>
+          </a:effectRef>
+          <a:fontRef idx="minor">
+            <a:schemeClr val="lt1"/>
+          </a:fontRef>
+        </p:style>
+        <p:txBody>
+          <a:bodyPr rtlCol="0" anchor="ctr"/>
+          <a:lstStyle/>
+          <a:p>
+            <a:pPr algn="ctr"/>
+            <a:endParaRPr lang="de-DE"/>
+          </a:p>
+        </p:txBody>
+      </p:sp>
+      <p:sp>
+        <p:nvSpPr>
+          <p:cNvPr id="12" name="Rechteck 11"/>
+          <p:cNvSpPr/>
+          <p:nvPr/>
+        </p:nvSpPr>
+        <p:spPr>
+          <a:xfrm>
+            <a:off x="3280611" y="3449052"/>
+            <a:ext cx="1171073" cy="537411"/>
+          </a:xfrm>
+          <a:prstGeom prst="rect">
+            <a:avLst/>
+          </a:prstGeom>
+          <a:solidFill>
+            <a:schemeClr val="accent1">
+              <a:lumMod val="20000"/>
+              <a:lumOff val="80000"/>
+            </a:schemeClr>
+          </a:solidFill>
+          <a:ln>
+            <a:noFill/>
+          </a:ln>
+        </p:spPr>
+        <p:style>
+          <a:lnRef idx="2">
+            <a:schemeClr val="accent1">
+              <a:shade val="50000"/>
+            </a:schemeClr>
+          </a:lnRef>
+          <a:fillRef idx="1">
+            <a:schemeClr val="accent1"/>
+          </a:fillRef>
+          <a:effectRef idx="0">
+            <a:schemeClr val="accent1"/>
+          </a:effectRef>
+          <a:fontRef idx="minor">
+            <a:schemeClr val="lt1"/>
+          </a:fontRef>
+        </p:style>
+        <p:txBody>
+          <a:bodyPr rtlCol="0" anchor="ctr"/>
+          <a:lstStyle/>
+          <a:p>
+            <a:pPr algn="ctr"/>
+            <a:endParaRPr lang="de-DE"/>
+          </a:p>
+        </p:txBody>
+      </p:sp>
+      <p:sp>
+        <p:nvSpPr>
+          <p:cNvPr id="16" name="Rechteck 15"/>
+          <p:cNvSpPr/>
+          <p:nvPr/>
+        </p:nvSpPr>
+        <p:spPr>
+          <a:xfrm>
+            <a:off x="3280610" y="2143311"/>
+            <a:ext cx="722820" cy="542190"/>
+          </a:xfrm>
+          <a:prstGeom prst="rect">
+            <a:avLst/>
+          </a:prstGeom>
+          <a:solidFill>
+            <a:schemeClr val="accent1">
+              <a:lumMod val="20000"/>
+              <a:lumOff val="80000"/>
+            </a:schemeClr>
+          </a:solidFill>
+          <a:ln>
+            <a:solidFill>
+              <a:schemeClr val="accent1"/>
+            </a:solidFill>
+          </a:ln>
+        </p:spPr>
+        <p:style>
+          <a:lnRef idx="2">
+            <a:schemeClr val="accent1">
+              <a:shade val="50000"/>
+            </a:schemeClr>
+          </a:lnRef>
+          <a:fillRef idx="1">
+            <a:schemeClr val="accent1"/>
+          </a:fillRef>
+          <a:effectRef idx="0">
+            <a:schemeClr val="accent1"/>
+          </a:effectRef>
+          <a:fontRef idx="minor">
+            <a:schemeClr val="lt1"/>
+          </a:fontRef>
+        </p:style>
+        <p:txBody>
+          <a:bodyPr rtlCol="0" anchor="ctr"/>
+          <a:lstStyle/>
+          <a:p>
+            <a:pPr algn="ctr"/>
+            <a:endParaRPr lang="de-DE"/>
+          </a:p>
+        </p:txBody>
+      </p:sp>
+      <p:sp>
+        <p:nvSpPr>
+          <p:cNvPr id="18" name="Rechteck 17"/>
+          <p:cNvSpPr/>
+          <p:nvPr/>
+        </p:nvSpPr>
+        <p:spPr>
+          <a:xfrm>
+            <a:off x="4003430" y="2143311"/>
+            <a:ext cx="722820" cy="540500"/>
+          </a:xfrm>
+          <a:prstGeom prst="rect">
+            <a:avLst/>
+          </a:prstGeom>
+          <a:solidFill>
+            <a:schemeClr val="accent1">
+              <a:lumMod val="20000"/>
+              <a:lumOff val="80000"/>
+            </a:schemeClr>
+          </a:solidFill>
+          <a:ln>
+            <a:solidFill>
+              <a:schemeClr val="accent1"/>
+            </a:solidFill>
+          </a:ln>
+        </p:spPr>
+        <p:style>
+          <a:lnRef idx="2">
+            <a:schemeClr val="accent1">
+              <a:shade val="50000"/>
+            </a:schemeClr>
+          </a:lnRef>
+          <a:fillRef idx="1">
+            <a:schemeClr val="accent1"/>
+          </a:fillRef>
+          <a:effectRef idx="0">
+            <a:schemeClr val="accent1"/>
+          </a:effectRef>
+          <a:fontRef idx="minor">
+            <a:schemeClr val="lt1"/>
+          </a:fontRef>
+        </p:style>
+        <p:txBody>
+          <a:bodyPr rtlCol="0" anchor="ctr"/>
+          <a:lstStyle/>
+          <a:p>
+            <a:pPr algn="ctr"/>
+            <a:endParaRPr lang="de-DE"/>
+          </a:p>
+        </p:txBody>
+      </p:sp>
+      <p:sp>
+        <p:nvSpPr>
+          <p:cNvPr id="19" name="Rechteck 18"/>
+          <p:cNvSpPr/>
+          <p:nvPr/>
+        </p:nvSpPr>
+        <p:spPr>
+          <a:xfrm>
+            <a:off x="4720388" y="2146399"/>
+            <a:ext cx="728682" cy="537411"/>
+          </a:xfrm>
+          <a:prstGeom prst="rect">
+            <a:avLst/>
+          </a:prstGeom>
+          <a:solidFill>
+            <a:schemeClr val="accent1">
+              <a:lumMod val="20000"/>
+              <a:lumOff val="80000"/>
+            </a:schemeClr>
+          </a:solidFill>
+          <a:ln>
+            <a:solidFill>
+              <a:schemeClr val="accent1"/>
+            </a:solidFill>
+          </a:ln>
+        </p:spPr>
+        <p:style>
+          <a:lnRef idx="2">
+            <a:schemeClr val="accent1">
+              <a:shade val="50000"/>
+            </a:schemeClr>
+          </a:lnRef>
+          <a:fillRef idx="1">
+            <a:schemeClr val="accent1"/>
+          </a:fillRef>
+          <a:effectRef idx="0">
+            <a:schemeClr val="accent1"/>
+          </a:effectRef>
+          <a:fontRef idx="minor">
+            <a:schemeClr val="lt1"/>
+          </a:fontRef>
+        </p:style>
+        <p:txBody>
+          <a:bodyPr rtlCol="0" anchor="ctr"/>
+          <a:lstStyle/>
+          <a:p>
+            <a:pPr algn="ctr"/>
+            <a:endParaRPr lang="de-DE"/>
+          </a:p>
+        </p:txBody>
+      </p:sp>
+      <p:sp>
+        <p:nvSpPr>
+          <p:cNvPr id="24" name="Rechteck 23"/>
+          <p:cNvSpPr/>
+          <p:nvPr/>
+        </p:nvSpPr>
+        <p:spPr>
+          <a:xfrm>
+            <a:off x="4042303" y="2792946"/>
+            <a:ext cx="375754" cy="537411"/>
+          </a:xfrm>
+          <a:prstGeom prst="rect">
+            <a:avLst/>
+          </a:prstGeom>
+          <a:solidFill>
+            <a:schemeClr val="accent1">
+              <a:lumMod val="20000"/>
+              <a:lumOff val="80000"/>
+            </a:schemeClr>
+          </a:solidFill>
+          <a:ln>
+            <a:solidFill>
+              <a:schemeClr val="accent1"/>
+            </a:solidFill>
+          </a:ln>
+        </p:spPr>
+        <p:style>
+          <a:lnRef idx="2">
+            <a:schemeClr val="accent1">
+              <a:shade val="50000"/>
+            </a:schemeClr>
+          </a:lnRef>
+          <a:fillRef idx="1">
+            <a:schemeClr val="accent1"/>
+          </a:fillRef>
+          <a:effectRef idx="0">
+            <a:schemeClr val="accent1"/>
+          </a:effectRef>
+          <a:fontRef idx="minor">
+            <a:schemeClr val="lt1"/>
+          </a:fontRef>
+        </p:style>
+        <p:txBody>
+          <a:bodyPr rtlCol="0" anchor="ctr"/>
+          <a:lstStyle/>
+          <a:p>
+            <a:pPr algn="ctr"/>
+            <a:endParaRPr lang="de-DE"/>
+          </a:p>
+        </p:txBody>
+      </p:sp>
+      <p:sp>
+        <p:nvSpPr>
+          <p:cNvPr id="25" name="Rechteck 24"/>
+          <p:cNvSpPr/>
+          <p:nvPr/>
+        </p:nvSpPr>
+        <p:spPr>
+          <a:xfrm>
+            <a:off x="3280610" y="3444273"/>
+            <a:ext cx="1171073" cy="537411"/>
+          </a:xfrm>
+          <a:prstGeom prst="rect">
+            <a:avLst/>
+          </a:prstGeom>
+          <a:solidFill>
+            <a:schemeClr val="accent1">
+              <a:lumMod val="20000"/>
+              <a:lumOff val="80000"/>
+            </a:schemeClr>
+          </a:solidFill>
+          <a:ln>
+            <a:solidFill>
+              <a:schemeClr val="accent1"/>
+            </a:solidFill>
+          </a:ln>
+        </p:spPr>
+        <p:style>
+          <a:lnRef idx="2">
+            <a:schemeClr val="accent1">
+              <a:shade val="50000"/>
+            </a:schemeClr>
+          </a:lnRef>
+          <a:fillRef idx="1">
+            <a:schemeClr val="accent1"/>
+          </a:fillRef>
+          <a:effectRef idx="0">
+            <a:schemeClr val="accent1"/>
+          </a:effectRef>
+          <a:fontRef idx="minor">
+            <a:schemeClr val="lt1"/>
+          </a:fontRef>
+        </p:style>
+        <p:txBody>
+          <a:bodyPr rtlCol="0" anchor="ctr"/>
+          <a:lstStyle/>
+          <a:p>
+            <a:pPr algn="ctr"/>
+            <a:endParaRPr lang="de-DE"/>
+          </a:p>
+        </p:txBody>
+      </p:sp>
+      <p:sp>
+        <p:nvSpPr>
+          <p:cNvPr id="29" name="Rechteck 28"/>
+          <p:cNvSpPr/>
+          <p:nvPr/>
+        </p:nvSpPr>
+        <p:spPr>
+          <a:xfrm>
+            <a:off x="3681047" y="2789712"/>
+            <a:ext cx="375754" cy="537411"/>
+          </a:xfrm>
+          <a:prstGeom prst="rect">
+            <a:avLst/>
+          </a:prstGeom>
+          <a:solidFill>
+            <a:schemeClr val="accent1">
+              <a:lumMod val="20000"/>
+              <a:lumOff val="80000"/>
+            </a:schemeClr>
+          </a:solidFill>
+          <a:ln>
+            <a:solidFill>
+              <a:schemeClr val="accent1"/>
+            </a:solidFill>
+          </a:ln>
+        </p:spPr>
+        <p:style>
+          <a:lnRef idx="2">
+            <a:schemeClr val="accent1">
+              <a:shade val="50000"/>
+            </a:schemeClr>
+          </a:lnRef>
+          <a:fillRef idx="1">
+            <a:schemeClr val="accent1"/>
+          </a:fillRef>
+          <a:effectRef idx="0">
+            <a:schemeClr val="accent1"/>
+          </a:effectRef>
+          <a:fontRef idx="minor">
+            <a:schemeClr val="lt1"/>
+          </a:fontRef>
+        </p:style>
+        <p:txBody>
+          <a:bodyPr rtlCol="0" anchor="ctr"/>
+          <a:lstStyle/>
+          <a:p>
+            <a:pPr algn="ctr"/>
+            <a:endParaRPr lang="de-DE"/>
+          </a:p>
+        </p:txBody>
+      </p:sp>
+      <p:sp>
+        <p:nvSpPr>
+          <p:cNvPr id="30" name="Rechteck 29"/>
+          <p:cNvSpPr/>
+          <p:nvPr/>
+        </p:nvSpPr>
+        <p:spPr>
+          <a:xfrm>
+            <a:off x="3280610" y="2789712"/>
+            <a:ext cx="400437" cy="537411"/>
+          </a:xfrm>
+          <a:prstGeom prst="rect">
+            <a:avLst/>
+          </a:prstGeom>
+          <a:solidFill>
+            <a:schemeClr val="accent1">
+              <a:lumMod val="20000"/>
+              <a:lumOff val="80000"/>
+            </a:schemeClr>
+          </a:solidFill>
+          <a:ln>
+            <a:solidFill>
+              <a:schemeClr val="accent1"/>
+            </a:solidFill>
+          </a:ln>
+        </p:spPr>
+        <p:style>
+          <a:lnRef idx="2">
+            <a:schemeClr val="accent1">
+              <a:shade val="50000"/>
+            </a:schemeClr>
+          </a:lnRef>
+          <a:fillRef idx="1">
+            <a:schemeClr val="accent1"/>
+          </a:fillRef>
+          <a:effectRef idx="0">
+            <a:schemeClr val="accent1"/>
+          </a:effectRef>
+          <a:fontRef idx="minor">
+            <a:schemeClr val="lt1"/>
+          </a:fontRef>
+        </p:style>
+        <p:txBody>
+          <a:bodyPr rtlCol="0" anchor="ctr"/>
+          <a:lstStyle/>
+          <a:p>
+            <a:pPr algn="ctr"/>
+            <a:endParaRPr lang="de-DE"/>
+          </a:p>
+        </p:txBody>
+      </p:sp>
+      <p:sp>
+        <p:nvSpPr>
+          <p:cNvPr id="31" name="Rechteck 30"/>
+          <p:cNvSpPr/>
+          <p:nvPr/>
+        </p:nvSpPr>
+        <p:spPr>
+          <a:xfrm>
+            <a:off x="4412043" y="2792638"/>
+            <a:ext cx="375754" cy="537411"/>
+          </a:xfrm>
+          <a:prstGeom prst="rect">
+            <a:avLst/>
+          </a:prstGeom>
+          <a:solidFill>
+            <a:schemeClr val="accent1">
+              <a:lumMod val="20000"/>
+              <a:lumOff val="80000"/>
+            </a:schemeClr>
+          </a:solidFill>
+          <a:ln>
+            <a:solidFill>
+              <a:schemeClr val="accent1"/>
+            </a:solidFill>
+          </a:ln>
+        </p:spPr>
+        <p:style>
+          <a:lnRef idx="2">
+            <a:schemeClr val="accent1">
+              <a:shade val="50000"/>
+            </a:schemeClr>
+          </a:lnRef>
+          <a:fillRef idx="1">
+            <a:schemeClr val="accent1"/>
+          </a:fillRef>
+          <a:effectRef idx="0">
+            <a:schemeClr val="accent1"/>
+          </a:effectRef>
+          <a:fontRef idx="minor">
+            <a:schemeClr val="lt1"/>
+          </a:fontRef>
+        </p:style>
+        <p:txBody>
+          <a:bodyPr rtlCol="0" anchor="ctr"/>
+          <a:lstStyle/>
+          <a:p>
+            <a:pPr algn="ctr"/>
+            <a:endParaRPr lang="de-DE"/>
+          </a:p>
+        </p:txBody>
+      </p:sp>
+    </p:spTree>
+    <p:extLst>
+      <p:ext uri="{BB962C8B-B14F-4D97-AF65-F5344CB8AC3E}">
+        <p14:creationId xmlns:p14="http://schemas.microsoft.com/office/powerpoint/2010/main" val="1910410192"/>
+      </p:ext>
+    </p:extLst>
+  </p:cSld>
+  <p:clrMapOvr>
+    <a:masterClrMapping/>
+  </p:clrMapOvr>
+</p:sld>
+</file>
+
+<file path=ppt/slides/slide4.xml><?xml version="1.0" encoding="utf-8"?>
+<p:sld xmlns:a="http://schemas.openxmlformats.org/drawingml/2006/main" xmlns:r="http://schemas.openxmlformats.org/officeDocument/2006/relationships" xmlns:p="http://schemas.openxmlformats.org/presentationml/2006/main">
+  <p:cSld>
+    <p:spTree>
+      <p:nvGrpSpPr>
+        <p:cNvPr id="1" name=""/>
+        <p:cNvGrpSpPr/>
+        <p:nvPr/>
+      </p:nvGrpSpPr>
+      <p:grpSpPr>
+        <a:xfrm>
+          <a:off x="0" y="0"/>
+          <a:ext cx="0" cy="0"/>
+          <a:chOff x="0" y="0"/>
+          <a:chExt cx="0" cy="0"/>
+        </a:xfrm>
+      </p:grpSpPr>
+      <p:sp>
+        <p:nvSpPr>
+          <p:cNvPr id="4" name="Rechteck 3"/>
+          <p:cNvSpPr/>
+          <p:nvPr/>
+        </p:nvSpPr>
+        <p:spPr>
+          <a:xfrm>
+            <a:off x="2181726" y="1572126"/>
+            <a:ext cx="4371474" cy="2983832"/>
+          </a:xfrm>
+          <a:prstGeom prst="rect">
+            <a:avLst/>
+          </a:prstGeom>
+          <a:solidFill>
+            <a:schemeClr val="bg1"/>
+          </a:solidFill>
+        </p:spPr>
+        <p:style>
+          <a:lnRef idx="2">
+            <a:schemeClr val="accent1">
+              <a:shade val="50000"/>
+            </a:schemeClr>
+          </a:lnRef>
+          <a:fillRef idx="1">
+            <a:schemeClr val="accent1"/>
+          </a:fillRef>
+          <a:effectRef idx="0">
+            <a:schemeClr val="accent1"/>
+          </a:effectRef>
+          <a:fontRef idx="minor">
+            <a:schemeClr val="lt1"/>
+          </a:fontRef>
+        </p:style>
+        <p:txBody>
+          <a:bodyPr rtlCol="0" anchor="ctr"/>
+          <a:lstStyle/>
+          <a:p>
+            <a:pPr algn="ctr"/>
+            <a:endParaRPr lang="de-DE"/>
+          </a:p>
+        </p:txBody>
+      </p:sp>
+      <p:sp>
+        <p:nvSpPr>
+          <p:cNvPr id="27" name="Rechteck 26"/>
+          <p:cNvSpPr/>
+          <p:nvPr/>
+        </p:nvSpPr>
+        <p:spPr>
+          <a:xfrm>
+            <a:off x="2654968" y="2141621"/>
+            <a:ext cx="3424990" cy="1844842"/>
+          </a:xfrm>
+          <a:prstGeom prst="rect">
+            <a:avLst/>
+          </a:prstGeom>
+          <a:ln>
+            <a:noFill/>
+          </a:ln>
+        </p:spPr>
+        <p:style>
+          <a:lnRef idx="2">
+            <a:schemeClr val="accent1">
+              <a:shade val="50000"/>
+            </a:schemeClr>
+          </a:lnRef>
+          <a:fillRef idx="1">
+            <a:schemeClr val="accent1"/>
+          </a:fillRef>
+          <a:effectRef idx="0">
+            <a:schemeClr val="accent1"/>
+          </a:effectRef>
+          <a:fontRef idx="minor">
+            <a:schemeClr val="lt1"/>
+          </a:fontRef>
+        </p:style>
+        <p:txBody>
+          <a:bodyPr rtlCol="0" anchor="ctr"/>
+          <a:lstStyle/>
+          <a:p>
+            <a:pPr algn="ctr"/>
+            <a:endParaRPr lang="de-DE"/>
+          </a:p>
+        </p:txBody>
+      </p:sp>
+      <p:sp>
+        <p:nvSpPr>
+          <p:cNvPr id="6" name="Rechteck 5"/>
+          <p:cNvSpPr/>
+          <p:nvPr/>
+        </p:nvSpPr>
+        <p:spPr>
+          <a:xfrm>
+            <a:off x="3280611" y="2141621"/>
+            <a:ext cx="2173704" cy="1844842"/>
+          </a:xfrm>
+          <a:prstGeom prst="rect">
+            <a:avLst/>
+          </a:prstGeom>
+          <a:solidFill>
+            <a:schemeClr val="accent1">
+              <a:lumMod val="40000"/>
+              <a:lumOff val="60000"/>
+            </a:schemeClr>
+          </a:solidFill>
+          <a:ln>
+            <a:noFill/>
+          </a:ln>
+        </p:spPr>
+        <p:style>
+          <a:lnRef idx="2">
+            <a:schemeClr val="accent1">
+              <a:shade val="50000"/>
+            </a:schemeClr>
+          </a:lnRef>
+          <a:fillRef idx="1">
+            <a:schemeClr val="accent1"/>
+          </a:fillRef>
+          <a:effectRef idx="0">
+            <a:schemeClr val="accent1"/>
+          </a:effectRef>
+          <a:fontRef idx="minor">
+            <a:schemeClr val="lt1"/>
+          </a:fontRef>
+        </p:style>
+        <p:txBody>
+          <a:bodyPr rtlCol="0" anchor="ctr"/>
+          <a:lstStyle/>
+          <a:p>
+            <a:pPr algn="ctr"/>
+            <a:endParaRPr lang="de-DE"/>
+          </a:p>
+        </p:txBody>
+      </p:sp>
+      <p:sp>
+        <p:nvSpPr>
+          <p:cNvPr id="9" name="Rechteck 8"/>
+          <p:cNvSpPr/>
+          <p:nvPr/>
+        </p:nvSpPr>
+        <p:spPr>
+          <a:xfrm>
+            <a:off x="3280611" y="2141621"/>
+            <a:ext cx="2173704" cy="537411"/>
+          </a:xfrm>
+          <a:prstGeom prst="rect">
+            <a:avLst/>
+          </a:prstGeom>
+          <a:solidFill>
+            <a:schemeClr val="accent1">
+              <a:lumMod val="20000"/>
+              <a:lumOff val="80000"/>
+            </a:schemeClr>
+          </a:solidFill>
+          <a:ln>
+            <a:noFill/>
+          </a:ln>
+        </p:spPr>
+        <p:style>
+          <a:lnRef idx="2">
+            <a:schemeClr val="accent1">
+              <a:shade val="50000"/>
+            </a:schemeClr>
+          </a:lnRef>
+          <a:fillRef idx="1">
+            <a:schemeClr val="accent1"/>
+          </a:fillRef>
+          <a:effectRef idx="0">
+            <a:schemeClr val="accent1"/>
+          </a:effectRef>
+          <a:fontRef idx="minor">
+            <a:schemeClr val="lt1"/>
+          </a:fontRef>
+        </p:style>
+        <p:txBody>
+          <a:bodyPr rtlCol="0" anchor="ctr"/>
+          <a:lstStyle/>
+          <a:p>
+            <a:pPr algn="ctr"/>
+            <a:endParaRPr lang="de-DE"/>
+          </a:p>
+        </p:txBody>
+      </p:sp>
+      <p:sp>
+        <p:nvSpPr>
+          <p:cNvPr id="12" name="Rechteck 11"/>
+          <p:cNvSpPr/>
+          <p:nvPr/>
+        </p:nvSpPr>
+        <p:spPr>
+          <a:xfrm>
+            <a:off x="3280611" y="3449052"/>
+            <a:ext cx="1171073" cy="537411"/>
+          </a:xfrm>
+          <a:prstGeom prst="rect">
+            <a:avLst/>
+          </a:prstGeom>
+          <a:solidFill>
+            <a:schemeClr val="accent1">
+              <a:lumMod val="20000"/>
+              <a:lumOff val="80000"/>
+            </a:schemeClr>
+          </a:solidFill>
+          <a:ln>
+            <a:noFill/>
+          </a:ln>
+        </p:spPr>
+        <p:style>
+          <a:lnRef idx="2">
+            <a:schemeClr val="accent1">
+              <a:shade val="50000"/>
+            </a:schemeClr>
+          </a:lnRef>
+          <a:fillRef idx="1">
+            <a:schemeClr val="accent1"/>
+          </a:fillRef>
+          <a:effectRef idx="0">
+            <a:schemeClr val="accent1"/>
+          </a:effectRef>
+          <a:fontRef idx="minor">
+            <a:schemeClr val="lt1"/>
+          </a:fontRef>
+        </p:style>
+        <p:txBody>
+          <a:bodyPr rtlCol="0" anchor="ctr"/>
+          <a:lstStyle/>
+          <a:p>
+            <a:pPr algn="ctr"/>
+            <a:endParaRPr lang="de-DE"/>
+          </a:p>
+        </p:txBody>
+      </p:sp>
+      <p:sp>
+        <p:nvSpPr>
+          <p:cNvPr id="16" name="Rechteck 15"/>
+          <p:cNvSpPr/>
+          <p:nvPr/>
+        </p:nvSpPr>
+        <p:spPr>
+          <a:xfrm>
+            <a:off x="3280610" y="2143311"/>
+            <a:ext cx="722820" cy="542190"/>
+          </a:xfrm>
+          <a:prstGeom prst="rect">
+            <a:avLst/>
+          </a:prstGeom>
+          <a:solidFill>
+            <a:schemeClr val="accent1">
+              <a:lumMod val="20000"/>
+              <a:lumOff val="80000"/>
+            </a:schemeClr>
+          </a:solidFill>
+          <a:ln>
+            <a:solidFill>
+              <a:schemeClr val="accent1"/>
+            </a:solidFill>
+          </a:ln>
+        </p:spPr>
+        <p:style>
+          <a:lnRef idx="2">
+            <a:schemeClr val="accent1">
+              <a:shade val="50000"/>
+            </a:schemeClr>
+          </a:lnRef>
+          <a:fillRef idx="1">
+            <a:schemeClr val="accent1"/>
+          </a:fillRef>
+          <a:effectRef idx="0">
+            <a:schemeClr val="accent1"/>
+          </a:effectRef>
+          <a:fontRef idx="minor">
+            <a:schemeClr val="lt1"/>
+          </a:fontRef>
+        </p:style>
+        <p:txBody>
+          <a:bodyPr rtlCol="0" anchor="ctr"/>
+          <a:lstStyle/>
+          <a:p>
+            <a:pPr algn="ctr"/>
+            <a:endParaRPr lang="de-DE"/>
+          </a:p>
+        </p:txBody>
+      </p:sp>
+      <p:sp>
+        <p:nvSpPr>
+          <p:cNvPr id="18" name="Rechteck 17"/>
+          <p:cNvSpPr/>
+          <p:nvPr/>
+        </p:nvSpPr>
+        <p:spPr>
+          <a:xfrm>
+            <a:off x="4003430" y="2143311"/>
+            <a:ext cx="722820" cy="540500"/>
+          </a:xfrm>
+          <a:prstGeom prst="rect">
+            <a:avLst/>
+          </a:prstGeom>
+          <a:solidFill>
+            <a:schemeClr val="accent1">
+              <a:lumMod val="20000"/>
+              <a:lumOff val="80000"/>
+            </a:schemeClr>
+          </a:solidFill>
+          <a:ln>
+            <a:solidFill>
+              <a:schemeClr val="accent1"/>
+            </a:solidFill>
+          </a:ln>
+        </p:spPr>
+        <p:style>
+          <a:lnRef idx="2">
+            <a:schemeClr val="accent1">
+              <a:shade val="50000"/>
+            </a:schemeClr>
+          </a:lnRef>
+          <a:fillRef idx="1">
+            <a:schemeClr val="accent1"/>
+          </a:fillRef>
+          <a:effectRef idx="0">
+            <a:schemeClr val="accent1"/>
+          </a:effectRef>
+          <a:fontRef idx="minor">
+            <a:schemeClr val="lt1"/>
+          </a:fontRef>
+        </p:style>
+        <p:txBody>
+          <a:bodyPr rtlCol="0" anchor="ctr"/>
+          <a:lstStyle/>
+          <a:p>
+            <a:pPr algn="ctr"/>
+            <a:endParaRPr lang="de-DE"/>
+          </a:p>
+        </p:txBody>
+      </p:sp>
+      <p:sp>
+        <p:nvSpPr>
+          <p:cNvPr id="19" name="Rechteck 18"/>
+          <p:cNvSpPr/>
+          <p:nvPr/>
+        </p:nvSpPr>
+        <p:spPr>
+          <a:xfrm>
+            <a:off x="4720388" y="2146399"/>
+            <a:ext cx="728682" cy="537411"/>
+          </a:xfrm>
+          <a:prstGeom prst="rect">
+            <a:avLst/>
+          </a:prstGeom>
+          <a:solidFill>
+            <a:schemeClr val="accent1">
+              <a:lumMod val="20000"/>
+              <a:lumOff val="80000"/>
+            </a:schemeClr>
+          </a:solidFill>
+          <a:ln>
+            <a:solidFill>
+              <a:schemeClr val="accent1"/>
+            </a:solidFill>
+          </a:ln>
+        </p:spPr>
+        <p:style>
+          <a:lnRef idx="2">
+            <a:schemeClr val="accent1">
+              <a:shade val="50000"/>
+            </a:schemeClr>
+          </a:lnRef>
+          <a:fillRef idx="1">
+            <a:schemeClr val="accent1"/>
+          </a:fillRef>
+          <a:effectRef idx="0">
+            <a:schemeClr val="accent1"/>
+          </a:effectRef>
+          <a:fontRef idx="minor">
+            <a:schemeClr val="lt1"/>
+          </a:fontRef>
+        </p:style>
+        <p:txBody>
+          <a:bodyPr rtlCol="0" anchor="ctr"/>
+          <a:lstStyle/>
+          <a:p>
+            <a:pPr algn="ctr"/>
+            <a:endParaRPr lang="de-DE"/>
+          </a:p>
+        </p:txBody>
+      </p:sp>
+      <p:sp>
+        <p:nvSpPr>
+          <p:cNvPr id="24" name="Rechteck 23"/>
+          <p:cNvSpPr/>
+          <p:nvPr/>
+        </p:nvSpPr>
+        <p:spPr>
+          <a:xfrm>
+            <a:off x="4042303" y="2792946"/>
+            <a:ext cx="375754" cy="537411"/>
+          </a:xfrm>
+          <a:prstGeom prst="rect">
+            <a:avLst/>
+          </a:prstGeom>
+          <a:solidFill>
+            <a:schemeClr val="accent1">
+              <a:lumMod val="20000"/>
+              <a:lumOff val="80000"/>
+            </a:schemeClr>
+          </a:solidFill>
+          <a:ln>
+            <a:solidFill>
+              <a:schemeClr val="accent1"/>
+            </a:solidFill>
+          </a:ln>
+        </p:spPr>
+        <p:style>
+          <a:lnRef idx="2">
+            <a:schemeClr val="accent1">
+              <a:shade val="50000"/>
+            </a:schemeClr>
+          </a:lnRef>
+          <a:fillRef idx="1">
+            <a:schemeClr val="accent1"/>
+          </a:fillRef>
+          <a:effectRef idx="0">
+            <a:schemeClr val="accent1"/>
+          </a:effectRef>
+          <a:fontRef idx="minor">
+            <a:schemeClr val="lt1"/>
+          </a:fontRef>
+        </p:style>
+        <p:txBody>
+          <a:bodyPr rtlCol="0" anchor="ctr"/>
+          <a:lstStyle/>
+          <a:p>
+            <a:pPr algn="ctr"/>
+            <a:endParaRPr lang="de-DE"/>
+          </a:p>
+        </p:txBody>
+      </p:sp>
+      <p:sp>
+        <p:nvSpPr>
+          <p:cNvPr id="25" name="Rechteck 24"/>
+          <p:cNvSpPr/>
+          <p:nvPr/>
+        </p:nvSpPr>
+        <p:spPr>
+          <a:xfrm>
+            <a:off x="3280610" y="3444273"/>
+            <a:ext cx="1171073" cy="537411"/>
+          </a:xfrm>
+          <a:prstGeom prst="rect">
+            <a:avLst/>
+          </a:prstGeom>
+          <a:solidFill>
+            <a:schemeClr val="accent1">
+              <a:lumMod val="20000"/>
+              <a:lumOff val="80000"/>
+            </a:schemeClr>
+          </a:solidFill>
+          <a:ln>
+            <a:solidFill>
+              <a:schemeClr val="accent1"/>
+            </a:solidFill>
+          </a:ln>
+        </p:spPr>
+        <p:style>
+          <a:lnRef idx="2">
+            <a:schemeClr val="accent1">
+              <a:shade val="50000"/>
+            </a:schemeClr>
+          </a:lnRef>
+          <a:fillRef idx="1">
+            <a:schemeClr val="accent1"/>
+          </a:fillRef>
+          <a:effectRef idx="0">
+            <a:schemeClr val="accent1"/>
+          </a:effectRef>
+          <a:fontRef idx="minor">
+            <a:schemeClr val="lt1"/>
+          </a:fontRef>
+        </p:style>
+        <p:txBody>
+          <a:bodyPr rtlCol="0" anchor="ctr"/>
+          <a:lstStyle/>
+          <a:p>
+            <a:pPr algn="ctr"/>
+            <a:endParaRPr lang="de-DE"/>
+          </a:p>
+        </p:txBody>
+      </p:sp>
+      <p:sp>
+        <p:nvSpPr>
+          <p:cNvPr id="29" name="Rechteck 28"/>
+          <p:cNvSpPr/>
+          <p:nvPr/>
+        </p:nvSpPr>
+        <p:spPr>
+          <a:xfrm>
+            <a:off x="3681047" y="2789712"/>
+            <a:ext cx="375754" cy="537411"/>
+          </a:xfrm>
+          <a:prstGeom prst="rect">
+            <a:avLst/>
+          </a:prstGeom>
+          <a:solidFill>
+            <a:schemeClr val="accent1">
+              <a:lumMod val="20000"/>
+              <a:lumOff val="80000"/>
+            </a:schemeClr>
+          </a:solidFill>
+          <a:ln>
+            <a:solidFill>
+              <a:schemeClr val="accent1"/>
+            </a:solidFill>
+          </a:ln>
+        </p:spPr>
+        <p:style>
+          <a:lnRef idx="2">
+            <a:schemeClr val="accent1">
+              <a:shade val="50000"/>
+            </a:schemeClr>
+          </a:lnRef>
+          <a:fillRef idx="1">
+            <a:schemeClr val="accent1"/>
+          </a:fillRef>
+          <a:effectRef idx="0">
+            <a:schemeClr val="accent1"/>
+          </a:effectRef>
+          <a:fontRef idx="minor">
+            <a:schemeClr val="lt1"/>
+          </a:fontRef>
+        </p:style>
+        <p:txBody>
+          <a:bodyPr rtlCol="0" anchor="ctr"/>
+          <a:lstStyle/>
+          <a:p>
+            <a:pPr algn="ctr"/>
+            <a:endParaRPr lang="de-DE"/>
+          </a:p>
+        </p:txBody>
+      </p:sp>
+      <p:sp>
+        <p:nvSpPr>
+          <p:cNvPr id="30" name="Rechteck 29"/>
+          <p:cNvSpPr/>
+          <p:nvPr/>
+        </p:nvSpPr>
+        <p:spPr>
+          <a:xfrm>
+            <a:off x="3280610" y="2789712"/>
+            <a:ext cx="400437" cy="537411"/>
+          </a:xfrm>
+          <a:prstGeom prst="rect">
+            <a:avLst/>
+          </a:prstGeom>
+          <a:solidFill>
+            <a:schemeClr val="accent1">
+              <a:lumMod val="20000"/>
+              <a:lumOff val="80000"/>
+            </a:schemeClr>
+          </a:solidFill>
+          <a:ln>
+            <a:solidFill>
+              <a:schemeClr val="accent1"/>
+            </a:solidFill>
+          </a:ln>
+        </p:spPr>
+        <p:style>
+          <a:lnRef idx="2">
+            <a:schemeClr val="accent1">
+              <a:shade val="50000"/>
+            </a:schemeClr>
+          </a:lnRef>
+          <a:fillRef idx="1">
+            <a:schemeClr val="accent1"/>
+          </a:fillRef>
+          <a:effectRef idx="0">
+            <a:schemeClr val="accent1"/>
+          </a:effectRef>
+          <a:fontRef idx="minor">
+            <a:schemeClr val="lt1"/>
+          </a:fontRef>
+        </p:style>
+        <p:txBody>
+          <a:bodyPr rtlCol="0" anchor="ctr"/>
+          <a:lstStyle/>
+          <a:p>
+            <a:pPr algn="ctr"/>
+            <a:endParaRPr lang="de-DE"/>
+          </a:p>
+        </p:txBody>
+      </p:sp>
+      <p:sp>
+        <p:nvSpPr>
+          <p:cNvPr id="31" name="Rechteck 30"/>
+          <p:cNvSpPr/>
+          <p:nvPr/>
+        </p:nvSpPr>
+        <p:spPr>
+          <a:xfrm>
+            <a:off x="4412043" y="2792638"/>
+            <a:ext cx="375754" cy="537411"/>
+          </a:xfrm>
+          <a:prstGeom prst="rect">
+            <a:avLst/>
+          </a:prstGeom>
+          <a:solidFill>
+            <a:schemeClr val="accent1">
+              <a:lumMod val="20000"/>
+              <a:lumOff val="80000"/>
+            </a:schemeClr>
+          </a:solidFill>
+          <a:ln>
+            <a:solidFill>
+              <a:schemeClr val="accent1"/>
+            </a:solidFill>
+          </a:ln>
+        </p:spPr>
+        <p:style>
+          <a:lnRef idx="2">
+            <a:schemeClr val="accent1">
+              <a:shade val="50000"/>
+            </a:schemeClr>
+          </a:lnRef>
+          <a:fillRef idx="1">
+            <a:schemeClr val="accent1"/>
+          </a:fillRef>
+          <a:effectRef idx="0">
+            <a:schemeClr val="accent1"/>
+          </a:effectRef>
+          <a:fontRef idx="minor">
+            <a:schemeClr val="lt1"/>
+          </a:fontRef>
+        </p:style>
+        <p:txBody>
+          <a:bodyPr rtlCol="0" anchor="ctr"/>
+          <a:lstStyle/>
+          <a:p>
+            <a:pPr algn="ctr"/>
+            <a:endParaRPr lang="de-DE"/>
+          </a:p>
+        </p:txBody>
+      </p:sp>
+      <p:sp>
+        <p:nvSpPr>
+          <p:cNvPr id="15" name="Rechteck 14"/>
+          <p:cNvSpPr/>
+          <p:nvPr/>
+        </p:nvSpPr>
+        <p:spPr>
+          <a:xfrm>
+            <a:off x="3712671" y="2850022"/>
+            <a:ext cx="323618" cy="173223"/>
+          </a:xfrm>
+          <a:prstGeom prst="rect">
+            <a:avLst/>
+          </a:prstGeom>
+          <a:solidFill>
+            <a:schemeClr val="bg1"/>
+          </a:solidFill>
+          <a:ln>
+            <a:solidFill>
+              <a:schemeClr val="accent1"/>
+            </a:solidFill>
+          </a:ln>
+        </p:spPr>
+        <p:style>
+          <a:lnRef idx="2">
+            <a:schemeClr val="accent1">
+              <a:shade val="50000"/>
+            </a:schemeClr>
+          </a:lnRef>
+          <a:fillRef idx="1">
+            <a:schemeClr val="accent1"/>
+          </a:fillRef>
+          <a:effectRef idx="0">
+            <a:schemeClr val="accent1"/>
+          </a:effectRef>
+          <a:fontRef idx="minor">
+            <a:schemeClr val="lt1"/>
+          </a:fontRef>
+        </p:style>
+        <p:txBody>
+          <a:bodyPr rtlCol="0" anchor="ctr"/>
+          <a:lstStyle/>
+          <a:p>
+            <a:pPr algn="ctr"/>
+            <a:endParaRPr lang="de-DE"/>
+          </a:p>
+        </p:txBody>
+      </p:sp>
+      <p:sp>
+        <p:nvSpPr>
+          <p:cNvPr id="17" name="Rechteck 16"/>
+          <p:cNvSpPr/>
+          <p:nvPr/>
+        </p:nvSpPr>
+        <p:spPr>
+          <a:xfrm>
+            <a:off x="4441118" y="2867413"/>
+            <a:ext cx="323618" cy="173223"/>
+          </a:xfrm>
+          <a:prstGeom prst="rect">
+            <a:avLst/>
+          </a:prstGeom>
+          <a:solidFill>
+            <a:schemeClr val="bg1"/>
+          </a:solidFill>
+          <a:ln>
+            <a:solidFill>
+              <a:schemeClr val="accent1"/>
+            </a:solidFill>
+          </a:ln>
+        </p:spPr>
+        <p:style>
+          <a:lnRef idx="2">
+            <a:schemeClr val="accent1">
+              <a:shade val="50000"/>
+            </a:schemeClr>
+          </a:lnRef>
+          <a:fillRef idx="1">
+            <a:schemeClr val="accent1"/>
+          </a:fillRef>
+          <a:effectRef idx="0">
+            <a:schemeClr val="accent1"/>
+          </a:effectRef>
+          <a:fontRef idx="minor">
+            <a:schemeClr val="lt1"/>
+          </a:fontRef>
+        </p:style>
+        <p:txBody>
+          <a:bodyPr rtlCol="0" anchor="ctr"/>
+          <a:lstStyle/>
+          <a:p>
+            <a:pPr algn="ctr"/>
+            <a:endParaRPr lang="de-DE"/>
+          </a:p>
+        </p:txBody>
+      </p:sp>
+      <p:sp>
+        <p:nvSpPr>
+          <p:cNvPr id="20" name="Rechteck 19"/>
+          <p:cNvSpPr/>
+          <p:nvPr/>
+        </p:nvSpPr>
+        <p:spPr>
+          <a:xfrm>
+            <a:off x="3712671" y="3115411"/>
+            <a:ext cx="323618" cy="173223"/>
+          </a:xfrm>
+          <a:prstGeom prst="rect">
+            <a:avLst/>
+          </a:prstGeom>
+          <a:solidFill>
+            <a:schemeClr val="bg1"/>
+          </a:solidFill>
+          <a:ln>
+            <a:solidFill>
+              <a:schemeClr val="accent1"/>
+            </a:solidFill>
+          </a:ln>
+        </p:spPr>
+        <p:style>
+          <a:lnRef idx="2">
+            <a:schemeClr val="accent1">
+              <a:shade val="50000"/>
+            </a:schemeClr>
+          </a:lnRef>
+          <a:fillRef idx="1">
+            <a:schemeClr val="accent1"/>
+          </a:fillRef>
+          <a:effectRef idx="0">
+            <a:schemeClr val="accent1"/>
+          </a:effectRef>
+          <a:fontRef idx="minor">
+            <a:schemeClr val="lt1"/>
+          </a:fontRef>
+        </p:style>
+        <p:txBody>
+          <a:bodyPr rtlCol="0" anchor="ctr"/>
+          <a:lstStyle/>
+          <a:p>
+            <a:pPr algn="ctr"/>
+            <a:endParaRPr lang="de-DE"/>
+          </a:p>
+        </p:txBody>
+      </p:sp>
+      <p:sp>
+        <p:nvSpPr>
+          <p:cNvPr id="21" name="Rechteck 20"/>
+          <p:cNvSpPr/>
+          <p:nvPr/>
+        </p:nvSpPr>
+        <p:spPr>
+          <a:xfrm>
+            <a:off x="4441118" y="3132802"/>
+            <a:ext cx="323618" cy="173223"/>
+          </a:xfrm>
+          <a:prstGeom prst="rect">
+            <a:avLst/>
+          </a:prstGeom>
+          <a:solidFill>
+            <a:schemeClr val="bg1"/>
+          </a:solidFill>
+          <a:ln>
+            <a:solidFill>
+              <a:schemeClr val="accent1"/>
+            </a:solidFill>
+          </a:ln>
+        </p:spPr>
+        <p:style>
+          <a:lnRef idx="2">
+            <a:schemeClr val="accent1">
+              <a:shade val="50000"/>
+            </a:schemeClr>
+          </a:lnRef>
+          <a:fillRef idx="1">
+            <a:schemeClr val="accent1"/>
+          </a:fillRef>
+          <a:effectRef idx="0">
+            <a:schemeClr val="accent1"/>
+          </a:effectRef>
+          <a:fontRef idx="minor">
+            <a:schemeClr val="lt1"/>
+          </a:fontRef>
+        </p:style>
+        <p:txBody>
+          <a:bodyPr rtlCol="0" anchor="ctr"/>
+          <a:lstStyle/>
+          <a:p>
+            <a:pPr algn="ctr"/>
+            <a:endParaRPr lang="de-DE"/>
+          </a:p>
+        </p:txBody>
+      </p:sp>
+      <p:sp>
+        <p:nvSpPr>
+          <p:cNvPr id="22" name="Rechteck 21"/>
+          <p:cNvSpPr/>
+          <p:nvPr/>
+        </p:nvSpPr>
+        <p:spPr>
+          <a:xfrm>
+            <a:off x="3343389" y="2896911"/>
+            <a:ext cx="323618" cy="67605"/>
+          </a:xfrm>
+          <a:prstGeom prst="rect">
+            <a:avLst/>
+          </a:prstGeom>
+          <a:solidFill>
+            <a:schemeClr val="accent1">
+              <a:lumMod val="75000"/>
+            </a:schemeClr>
+          </a:solidFill>
+          <a:ln>
+            <a:noFill/>
+          </a:ln>
+        </p:spPr>
+        <p:style>
+          <a:lnRef idx="2">
+            <a:schemeClr val="accent1">
+              <a:shade val="50000"/>
+            </a:schemeClr>
+          </a:lnRef>
+          <a:fillRef idx="1">
+            <a:schemeClr val="accent1"/>
+          </a:fillRef>
+          <a:effectRef idx="0">
+            <a:schemeClr val="accent1"/>
+          </a:effectRef>
+          <a:fontRef idx="minor">
+            <a:schemeClr val="lt1"/>
+          </a:fontRef>
+        </p:style>
+        <p:txBody>
+          <a:bodyPr rtlCol="0" anchor="ctr"/>
+          <a:lstStyle/>
+          <a:p>
+            <a:pPr algn="ctr"/>
+            <a:endParaRPr lang="de-DE"/>
+          </a:p>
+        </p:txBody>
+      </p:sp>
+      <p:sp>
+        <p:nvSpPr>
+          <p:cNvPr id="23" name="Rechteck 22"/>
+          <p:cNvSpPr/>
+          <p:nvPr/>
+        </p:nvSpPr>
+        <p:spPr>
+          <a:xfrm>
+            <a:off x="4071836" y="2914302"/>
+            <a:ext cx="323618" cy="67605"/>
+          </a:xfrm>
+          <a:prstGeom prst="rect">
+            <a:avLst/>
+          </a:prstGeom>
+          <a:solidFill>
+            <a:schemeClr val="accent1">
+              <a:lumMod val="75000"/>
+            </a:schemeClr>
+          </a:solidFill>
+          <a:ln>
+            <a:noFill/>
+          </a:ln>
+        </p:spPr>
+        <p:style>
+          <a:lnRef idx="2">
+            <a:schemeClr val="accent1">
+              <a:shade val="50000"/>
+            </a:schemeClr>
+          </a:lnRef>
+          <a:fillRef idx="1">
+            <a:schemeClr val="accent1"/>
+          </a:fillRef>
+          <a:effectRef idx="0">
+            <a:schemeClr val="accent1"/>
+          </a:effectRef>
+          <a:fontRef idx="minor">
+            <a:schemeClr val="lt1"/>
+          </a:fontRef>
+        </p:style>
+        <p:txBody>
+          <a:bodyPr rtlCol="0" anchor="ctr"/>
+          <a:lstStyle/>
+          <a:p>
+            <a:pPr algn="ctr"/>
+            <a:endParaRPr lang="de-DE"/>
+          </a:p>
+        </p:txBody>
+      </p:sp>
+      <p:sp>
+        <p:nvSpPr>
+          <p:cNvPr id="26" name="Rechteck 25"/>
+          <p:cNvSpPr/>
+          <p:nvPr/>
+        </p:nvSpPr>
+        <p:spPr>
+          <a:xfrm>
+            <a:off x="3343389" y="3162300"/>
+            <a:ext cx="323618" cy="67605"/>
+          </a:xfrm>
+          <a:prstGeom prst="rect">
+            <a:avLst/>
+          </a:prstGeom>
+          <a:solidFill>
+            <a:schemeClr val="accent1">
+              <a:lumMod val="75000"/>
+            </a:schemeClr>
+          </a:solidFill>
+          <a:ln>
+            <a:noFill/>
+          </a:ln>
+        </p:spPr>
+        <p:style>
+          <a:lnRef idx="2">
+            <a:schemeClr val="accent1">
+              <a:shade val="50000"/>
+            </a:schemeClr>
+          </a:lnRef>
+          <a:fillRef idx="1">
+            <a:schemeClr val="accent1"/>
+          </a:fillRef>
+          <a:effectRef idx="0">
+            <a:schemeClr val="accent1"/>
+          </a:effectRef>
+          <a:fontRef idx="minor">
+            <a:schemeClr val="lt1"/>
+          </a:fontRef>
+        </p:style>
+        <p:txBody>
+          <a:bodyPr rtlCol="0" anchor="ctr"/>
+          <a:lstStyle/>
+          <a:p>
+            <a:pPr algn="ctr"/>
+            <a:endParaRPr lang="de-DE"/>
+          </a:p>
+        </p:txBody>
+      </p:sp>
+      <p:sp>
+        <p:nvSpPr>
+          <p:cNvPr id="28" name="Rechteck 27"/>
+          <p:cNvSpPr/>
+          <p:nvPr/>
+        </p:nvSpPr>
+        <p:spPr>
+          <a:xfrm>
+            <a:off x="4071836" y="3179691"/>
+            <a:ext cx="323618" cy="67605"/>
+          </a:xfrm>
+          <a:prstGeom prst="rect">
+            <a:avLst/>
+          </a:prstGeom>
+          <a:solidFill>
+            <a:schemeClr val="accent1">
+              <a:lumMod val="75000"/>
+            </a:schemeClr>
+          </a:solidFill>
+          <a:ln>
+            <a:noFill/>
+          </a:ln>
+        </p:spPr>
+        <p:style>
+          <a:lnRef idx="2">
+            <a:schemeClr val="accent1">
+              <a:shade val="50000"/>
+            </a:schemeClr>
+          </a:lnRef>
+          <a:fillRef idx="1">
+            <a:schemeClr val="accent1"/>
+          </a:fillRef>
+          <a:effectRef idx="0">
+            <a:schemeClr val="accent1"/>
+          </a:effectRef>
+          <a:fontRef idx="minor">
+            <a:schemeClr val="lt1"/>
+          </a:fontRef>
+        </p:style>
+        <p:txBody>
+          <a:bodyPr rtlCol="0" anchor="ctr"/>
+          <a:lstStyle/>
+          <a:p>
+            <a:pPr algn="ctr"/>
+            <a:endParaRPr lang="de-DE"/>
+          </a:p>
+        </p:txBody>
+      </p:sp>
+    </p:spTree>
+    <p:extLst>
+      <p:ext uri="{BB962C8B-B14F-4D97-AF65-F5344CB8AC3E}">
+        <p14:creationId xmlns:p14="http://schemas.microsoft.com/office/powerpoint/2010/main" val="959953004"/>
+      </p:ext>
+    </p:extLst>
+  </p:cSld>
+  <p:clrMapOvr>
+    <a:masterClrMapping/>
+  </p:clrMapOvr>
+</p:sld>
+</file>
+
+<file path=ppt/slides/slide5.xml><?xml version="1.0" encoding="utf-8"?>
+<p:sld xmlns:a="http://schemas.openxmlformats.org/drawingml/2006/main" xmlns:r="http://schemas.openxmlformats.org/officeDocument/2006/relationships" xmlns:p="http://schemas.openxmlformats.org/presentationml/2006/main">
+  <p:cSld>
+    <p:spTree>
+      <p:nvGrpSpPr>
+        <p:cNvPr id="1" name=""/>
+        <p:cNvGrpSpPr/>
+        <p:nvPr/>
+      </p:nvGrpSpPr>
+      <p:grpSpPr>
+        <a:xfrm>
+          <a:off x="0" y="0"/>
+          <a:ext cx="0" cy="0"/>
+          <a:chOff x="0" y="0"/>
+          <a:chExt cx="0" cy="0"/>
+        </a:xfrm>
+      </p:grpSpPr>
+      <p:sp>
+        <p:nvSpPr>
+          <p:cNvPr id="4" name="Rechteck 3"/>
+          <p:cNvSpPr/>
+          <p:nvPr/>
+        </p:nvSpPr>
+        <p:spPr>
+          <a:xfrm>
             <a:off x="3910263" y="1937084"/>
             <a:ext cx="4371474" cy="2983832"/>
           </a:xfrm>
@@ -3858,7 +5629,7 @@
 </p:sld>
 </file>
 
-<file path=ppt/slides/slide4.xml><?xml version="1.0" encoding="utf-8"?>
+<file path=ppt/slides/slide6.xml><?xml version="1.0" encoding="utf-8"?>
 <p:sld xmlns:a="http://schemas.openxmlformats.org/drawingml/2006/main" xmlns:r="http://schemas.openxmlformats.org/officeDocument/2006/relationships" xmlns:p="http://schemas.openxmlformats.org/presentationml/2006/main">
   <p:cSld>
     <p:spTree>
@@ -4098,13 +5869,6 @@
                 </a:rPr>
                 <a:t>-templates</a:t>
               </a:r>
-              <a:endParaRPr lang="de-DE" sz="1200" dirty="0">
-                <a:solidFill>
-                  <a:schemeClr val="accent1">
-                    <a:lumMod val="50000"/>
-                  </a:schemeClr>
-                </a:solidFill>
-              </a:endParaRPr>
             </a:p>
           </p:txBody>
         </p:sp>
@@ -4298,13 +6062,6 @@
                 </a:rPr>
                 <a:t> 1</a:t>
               </a:r>
-              <a:endParaRPr lang="de-DE" dirty="0" smtClean="0">
-                <a:solidFill>
-                  <a:schemeClr val="accent1">
-                    <a:lumMod val="50000"/>
-                  </a:schemeClr>
-                </a:solidFill>
-              </a:endParaRPr>
             </a:p>
             <a:p>
               <a:r>
@@ -4456,11 +6213,7 @@
               </a:r>
               <a:r>
                 <a:rPr lang="de-DE" sz="1200" dirty="0" err="1" smtClean="0"/>
-                <a:t>wave</a:t>
-              </a:r>
-              <a:r>
-                <a:rPr lang="de-DE" sz="1200" dirty="0" err="1" smtClean="0"/>
-                <a:t>_id</a:t>
+                <a:t>wave_id</a:t>
               </a:r>
               <a:r>
                 <a:rPr lang="de-DE" sz="1200" dirty="0" smtClean="0"/>
@@ -4595,13 +6348,6 @@
                 </a:rPr>
                 <a:t> 2</a:t>
               </a:r>
-              <a:endParaRPr lang="de-DE" dirty="0" smtClean="0">
-                <a:solidFill>
-                  <a:schemeClr val="accent1">
-                    <a:lumMod val="50000"/>
-                  </a:schemeClr>
-                </a:solidFill>
-              </a:endParaRPr>
             </a:p>
             <a:p>
               <a:r>
@@ -4753,11 +6499,7 @@
               </a:r>
               <a:r>
                 <a:rPr lang="de-DE" sz="1200" dirty="0" err="1" smtClean="0"/>
-                <a:t>wave</a:t>
-              </a:r>
-              <a:r>
-                <a:rPr lang="de-DE" sz="1200" dirty="0" err="1" smtClean="0"/>
-                <a:t>_id</a:t>
+                <a:t>wave_id</a:t>
               </a:r>
               <a:r>
                 <a:rPr lang="de-DE" sz="1200" dirty="0" smtClean="0"/>

--- a/static/img/doc/pics.pptx
+++ b/static/img/doc/pics.pptx
@@ -248,7 +248,7 @@
           <a:p>
             <a:fld id="{AE012AFE-1FD2-420A-8FDC-B1463C197541}" type="datetimeFigureOut">
               <a:rPr lang="de-DE" smtClean="0"/>
-              <a:t>31.07.2018</a:t>
+              <a:t>18.11.2018</a:t>
             </a:fld>
             <a:endParaRPr lang="de-DE"/>
           </a:p>
@@ -418,7 +418,7 @@
           <a:p>
             <a:fld id="{AE012AFE-1FD2-420A-8FDC-B1463C197541}" type="datetimeFigureOut">
               <a:rPr lang="de-DE" smtClean="0"/>
-              <a:t>31.07.2018</a:t>
+              <a:t>18.11.2018</a:t>
             </a:fld>
             <a:endParaRPr lang="de-DE"/>
           </a:p>
@@ -598,7 +598,7 @@
           <a:p>
             <a:fld id="{AE012AFE-1FD2-420A-8FDC-B1463C197541}" type="datetimeFigureOut">
               <a:rPr lang="de-DE" smtClean="0"/>
-              <a:t>31.07.2018</a:t>
+              <a:t>18.11.2018</a:t>
             </a:fld>
             <a:endParaRPr lang="de-DE"/>
           </a:p>
@@ -768,7 +768,7 @@
           <a:p>
             <a:fld id="{AE012AFE-1FD2-420A-8FDC-B1463C197541}" type="datetimeFigureOut">
               <a:rPr lang="de-DE" smtClean="0"/>
-              <a:t>31.07.2018</a:t>
+              <a:t>18.11.2018</a:t>
             </a:fld>
             <a:endParaRPr lang="de-DE"/>
           </a:p>
@@ -1014,7 +1014,7 @@
           <a:p>
             <a:fld id="{AE012AFE-1FD2-420A-8FDC-B1463C197541}" type="datetimeFigureOut">
               <a:rPr lang="de-DE" smtClean="0"/>
-              <a:t>31.07.2018</a:t>
+              <a:t>18.11.2018</a:t>
             </a:fld>
             <a:endParaRPr lang="de-DE"/>
           </a:p>
@@ -1246,7 +1246,7 @@
           <a:p>
             <a:fld id="{AE012AFE-1FD2-420A-8FDC-B1463C197541}" type="datetimeFigureOut">
               <a:rPr lang="de-DE" smtClean="0"/>
-              <a:t>31.07.2018</a:t>
+              <a:t>18.11.2018</a:t>
             </a:fld>
             <a:endParaRPr lang="de-DE"/>
           </a:p>
@@ -1613,7 +1613,7 @@
           <a:p>
             <a:fld id="{AE012AFE-1FD2-420A-8FDC-B1463C197541}" type="datetimeFigureOut">
               <a:rPr lang="de-DE" smtClean="0"/>
-              <a:t>31.07.2018</a:t>
+              <a:t>18.11.2018</a:t>
             </a:fld>
             <a:endParaRPr lang="de-DE"/>
           </a:p>
@@ -1731,7 +1731,7 @@
           <a:p>
             <a:fld id="{AE012AFE-1FD2-420A-8FDC-B1463C197541}" type="datetimeFigureOut">
               <a:rPr lang="de-DE" smtClean="0"/>
-              <a:t>31.07.2018</a:t>
+              <a:t>18.11.2018</a:t>
             </a:fld>
             <a:endParaRPr lang="de-DE"/>
           </a:p>
@@ -1826,7 +1826,7 @@
           <a:p>
             <a:fld id="{AE012AFE-1FD2-420A-8FDC-B1463C197541}" type="datetimeFigureOut">
               <a:rPr lang="de-DE" smtClean="0"/>
-              <a:t>31.07.2018</a:t>
+              <a:t>18.11.2018</a:t>
             </a:fld>
             <a:endParaRPr lang="de-DE"/>
           </a:p>
@@ -2103,7 +2103,7 @@
           <a:p>
             <a:fld id="{AE012AFE-1FD2-420A-8FDC-B1463C197541}" type="datetimeFigureOut">
               <a:rPr lang="de-DE" smtClean="0"/>
-              <a:t>31.07.2018</a:t>
+              <a:t>18.11.2018</a:t>
             </a:fld>
             <a:endParaRPr lang="de-DE"/>
           </a:p>
@@ -2356,7 +2356,7 @@
           <a:p>
             <a:fld id="{AE012AFE-1FD2-420A-8FDC-B1463C197541}" type="datetimeFigureOut">
               <a:rPr lang="de-DE" smtClean="0"/>
-              <a:t>31.07.2018</a:t>
+              <a:t>18.11.2018</a:t>
             </a:fld>
             <a:endParaRPr lang="de-DE"/>
           </a:p>
@@ -2569,7 +2569,7 @@
           <a:p>
             <a:fld id="{AE012AFE-1FD2-420A-8FDC-B1463C197541}" type="datetimeFigureOut">
               <a:rPr lang="de-DE" smtClean="0"/>
-              <a:t>31.07.2018</a:t>
+              <a:t>18.11.2018</a:t>
             </a:fld>
             <a:endParaRPr lang="de-DE"/>
           </a:p>
@@ -3217,6 +3217,13 @@
   <p:clrMapOvr>
     <a:masterClrMapping/>
   </p:clrMapOvr>
+  <p:timing>
+    <p:tnLst>
+      <p:par>
+        <p:cTn id="1" dur="indefinite" restart="never" nodeType="tmRoot"/>
+      </p:par>
+    </p:tnLst>
+  </p:timing>
 </p:sld>
 </file>
 
@@ -3627,6 +3634,13 @@
   <p:clrMapOvr>
     <a:masterClrMapping/>
   </p:clrMapOvr>
+  <p:timing>
+    <p:tnLst>
+      <p:par>
+        <p:cTn id="1" dur="indefinite" restart="never" nodeType="tmRoot"/>
+      </p:par>
+    </p:tnLst>
+  </p:timing>
 </p:sld>
 </file>
 
@@ -4298,6 +4312,13 @@
   <p:clrMapOvr>
     <a:masterClrMapping/>
   </p:clrMapOvr>
+  <p:timing>
+    <p:tnLst>
+      <p:par>
+        <p:cTn id="1" dur="indefinite" restart="never" nodeType="tmRoot"/>
+      </p:par>
+    </p:tnLst>
+  </p:timing>
 </p:sld>
 </file>
 
@@ -5353,6 +5374,13 @@
   <p:clrMapOvr>
     <a:masterClrMapping/>
   </p:clrMapOvr>
+  <p:timing>
+    <p:tnLst>
+      <p:par>
+        <p:cTn id="1" dur="indefinite" restart="never" nodeType="tmRoot"/>
+      </p:par>
+    </p:tnLst>
+  </p:timing>
 </p:sld>
 </file>
 
@@ -5512,9 +5540,12 @@
           <a:p>
             <a:pPr algn="ctr"/>
             <a:r>
-              <a:rPr lang="de-DE" dirty="0" err="1" smtClean="0"/>
+              <a:rPr lang="de-DE" dirty="0" smtClean="0"/>
               <a:t>Q2</a:t>
             </a:r>
+          </a:p>
+          <a:p>
+            <a:pPr algn="ctr"/>
             <a:endParaRPr lang="de-DE" dirty="0"/>
           </a:p>
         </p:txBody>
@@ -5564,9 +5595,12 @@
           <a:p>
             <a:pPr algn="ctr"/>
             <a:r>
-              <a:rPr lang="de-DE" dirty="0" err="1" smtClean="0"/>
+              <a:rPr lang="de-DE" dirty="0" smtClean="0"/>
               <a:t>Q1</a:t>
             </a:r>
+            <a:br>
+              <a:rPr lang="de-DE" dirty="0" smtClean="0"/>
+            </a:br>
             <a:endParaRPr lang="de-DE" dirty="0"/>
           </a:p>
         </p:txBody>
@@ -5606,6 +5640,306 @@
                 <a:schemeClr val="bg1"/>
               </a:solidFill>
             </a:endParaRPr>
+          </a:p>
+        </p:txBody>
+      </p:sp>
+      <p:sp>
+        <p:nvSpPr>
+          <p:cNvPr id="10" name="Rechteck 9"/>
+          <p:cNvSpPr/>
+          <p:nvPr/>
+        </p:nvSpPr>
+        <p:spPr>
+          <a:xfrm>
+            <a:off x="5615996" y="4419600"/>
+            <a:ext cx="891385" cy="259831"/>
+          </a:xfrm>
+          <a:prstGeom prst="rect">
+            <a:avLst/>
+          </a:prstGeom>
+          <a:solidFill>
+            <a:srgbClr val="C5DCF1"/>
+          </a:solidFill>
+          <a:ln>
+            <a:noFill/>
+          </a:ln>
+        </p:spPr>
+        <p:style>
+          <a:lnRef idx="2">
+            <a:schemeClr val="accent1">
+              <a:shade val="50000"/>
+            </a:schemeClr>
+          </a:lnRef>
+          <a:fillRef idx="1">
+            <a:schemeClr val="accent1"/>
+          </a:fillRef>
+          <a:effectRef idx="0">
+            <a:schemeClr val="accent1"/>
+          </a:effectRef>
+          <a:fontRef idx="minor">
+            <a:schemeClr val="lt1"/>
+          </a:fontRef>
+        </p:style>
+        <p:txBody>
+          <a:bodyPr rtlCol="0" anchor="ctr"/>
+          <a:lstStyle/>
+          <a:p>
+            <a:pPr algn="ctr"/>
+            <a:r>
+              <a:rPr lang="de-DE" sz="1400" dirty="0" smtClean="0"/>
+              <a:t>Wave 1</a:t>
+            </a:r>
+            <a:endParaRPr lang="de-DE" sz="1400" dirty="0"/>
+          </a:p>
+        </p:txBody>
+      </p:sp>
+      <p:sp>
+        <p:nvSpPr>
+          <p:cNvPr id="11" name="Rechteck 10"/>
+          <p:cNvSpPr/>
+          <p:nvPr/>
+        </p:nvSpPr>
+        <p:spPr>
+          <a:xfrm>
+            <a:off x="6537710" y="4419600"/>
+            <a:ext cx="891385" cy="259831"/>
+          </a:xfrm>
+          <a:prstGeom prst="rect">
+            <a:avLst/>
+          </a:prstGeom>
+          <a:solidFill>
+            <a:srgbClr val="C5DCF1"/>
+          </a:solidFill>
+          <a:ln>
+            <a:noFill/>
+          </a:ln>
+        </p:spPr>
+        <p:style>
+          <a:lnRef idx="2">
+            <a:schemeClr val="accent1">
+              <a:shade val="50000"/>
+            </a:schemeClr>
+          </a:lnRef>
+          <a:fillRef idx="1">
+            <a:schemeClr val="accent1"/>
+          </a:fillRef>
+          <a:effectRef idx="0">
+            <a:schemeClr val="accent1"/>
+          </a:effectRef>
+          <a:fontRef idx="minor">
+            <a:schemeClr val="lt1"/>
+          </a:fontRef>
+        </p:style>
+        <p:txBody>
+          <a:bodyPr rtlCol="0" anchor="ctr"/>
+          <a:lstStyle/>
+          <a:p>
+            <a:pPr algn="ctr"/>
+            <a:r>
+              <a:rPr lang="de-DE" sz="1400" dirty="0" smtClean="0"/>
+              <a:t>Wave 2</a:t>
+            </a:r>
+            <a:endParaRPr lang="de-DE" sz="1400" dirty="0"/>
+          </a:p>
+        </p:txBody>
+      </p:sp>
+      <p:sp>
+        <p:nvSpPr>
+          <p:cNvPr id="12" name="Rechteck 11"/>
+          <p:cNvSpPr/>
+          <p:nvPr/>
+        </p:nvSpPr>
+        <p:spPr>
+          <a:xfrm>
+            <a:off x="7459426" y="4417840"/>
+            <a:ext cx="221130" cy="259831"/>
+          </a:xfrm>
+          <a:prstGeom prst="rect">
+            <a:avLst/>
+          </a:prstGeom>
+          <a:solidFill>
+            <a:srgbClr val="C5DCF1"/>
+          </a:solidFill>
+          <a:ln>
+            <a:noFill/>
+          </a:ln>
+        </p:spPr>
+        <p:style>
+          <a:lnRef idx="2">
+            <a:schemeClr val="accent1">
+              <a:shade val="50000"/>
+            </a:schemeClr>
+          </a:lnRef>
+          <a:fillRef idx="1">
+            <a:schemeClr val="accent1"/>
+          </a:fillRef>
+          <a:effectRef idx="0">
+            <a:schemeClr val="accent1"/>
+          </a:effectRef>
+          <a:fontRef idx="minor">
+            <a:schemeClr val="lt1"/>
+          </a:fontRef>
+        </p:style>
+        <p:txBody>
+          <a:bodyPr rtlCol="0" anchor="ctr"/>
+          <a:lstStyle/>
+          <a:p>
+            <a:pPr algn="ctr"/>
+            <a:r>
+              <a:rPr lang="de-DE" sz="1400" dirty="0" smtClean="0"/>
+              <a:t>…</a:t>
+            </a:r>
+            <a:endParaRPr lang="de-DE" sz="1400" dirty="0"/>
+          </a:p>
+        </p:txBody>
+      </p:sp>
+      <p:sp>
+        <p:nvSpPr>
+          <p:cNvPr id="13" name="Rechteck 12"/>
+          <p:cNvSpPr/>
+          <p:nvPr/>
+        </p:nvSpPr>
+        <p:spPr>
+          <a:xfrm>
+            <a:off x="5611217" y="3486767"/>
+            <a:ext cx="891385" cy="264116"/>
+          </a:xfrm>
+          <a:prstGeom prst="rect">
+            <a:avLst/>
+          </a:prstGeom>
+          <a:solidFill>
+            <a:srgbClr val="97C0E5"/>
+          </a:solidFill>
+          <a:ln>
+            <a:noFill/>
+          </a:ln>
+        </p:spPr>
+        <p:style>
+          <a:lnRef idx="2">
+            <a:schemeClr val="accent1">
+              <a:shade val="50000"/>
+            </a:schemeClr>
+          </a:lnRef>
+          <a:fillRef idx="1">
+            <a:schemeClr val="accent1"/>
+          </a:fillRef>
+          <a:effectRef idx="0">
+            <a:schemeClr val="accent1"/>
+          </a:effectRef>
+          <a:fontRef idx="minor">
+            <a:schemeClr val="lt1"/>
+          </a:fontRef>
+        </p:style>
+        <p:txBody>
+          <a:bodyPr rtlCol="0" anchor="ctr"/>
+          <a:lstStyle/>
+          <a:p>
+            <a:pPr algn="ctr"/>
+            <a:r>
+              <a:rPr lang="de-DE" sz="1400" dirty="0" smtClean="0"/>
+              <a:t>Wave 1</a:t>
+            </a:r>
+            <a:endParaRPr lang="de-DE" sz="1400" dirty="0"/>
+          </a:p>
+        </p:txBody>
+      </p:sp>
+      <p:sp>
+        <p:nvSpPr>
+          <p:cNvPr id="14" name="Rechteck 13"/>
+          <p:cNvSpPr/>
+          <p:nvPr/>
+        </p:nvSpPr>
+        <p:spPr>
+          <a:xfrm>
+            <a:off x="6532931" y="3486767"/>
+            <a:ext cx="891385" cy="264116"/>
+          </a:xfrm>
+          <a:prstGeom prst="rect">
+            <a:avLst/>
+          </a:prstGeom>
+          <a:solidFill>
+            <a:srgbClr val="97C0E5"/>
+          </a:solidFill>
+          <a:ln>
+            <a:noFill/>
+          </a:ln>
+        </p:spPr>
+        <p:style>
+          <a:lnRef idx="2">
+            <a:schemeClr val="accent1">
+              <a:shade val="50000"/>
+            </a:schemeClr>
+          </a:lnRef>
+          <a:fillRef idx="1">
+            <a:schemeClr val="accent1"/>
+          </a:fillRef>
+          <a:effectRef idx="0">
+            <a:schemeClr val="accent1"/>
+          </a:effectRef>
+          <a:fontRef idx="minor">
+            <a:schemeClr val="lt1"/>
+          </a:fontRef>
+        </p:style>
+        <p:txBody>
+          <a:bodyPr rtlCol="0" anchor="ctr"/>
+          <a:lstStyle/>
+          <a:p>
+            <a:pPr algn="ctr"/>
+            <a:r>
+              <a:rPr lang="de-DE" sz="1400" dirty="0" smtClean="0"/>
+              <a:t>Wave 2</a:t>
+            </a:r>
+            <a:endParaRPr lang="de-DE" sz="1400" dirty="0"/>
+          </a:p>
+        </p:txBody>
+      </p:sp>
+      <p:sp>
+        <p:nvSpPr>
+          <p:cNvPr id="16" name="Rechteck 15"/>
+          <p:cNvSpPr/>
+          <p:nvPr/>
+        </p:nvSpPr>
+        <p:spPr>
+          <a:xfrm>
+            <a:off x="7454647" y="3485007"/>
+            <a:ext cx="221130" cy="264116"/>
+          </a:xfrm>
+          <a:prstGeom prst="rect">
+            <a:avLst/>
+          </a:prstGeom>
+          <a:solidFill>
+            <a:srgbClr val="97C0E5"/>
+          </a:solidFill>
+          <a:ln>
+            <a:noFill/>
+          </a:ln>
+        </p:spPr>
+        <p:style>
+          <a:lnRef idx="2">
+            <a:schemeClr val="accent1">
+              <a:shade val="50000"/>
+            </a:schemeClr>
+          </a:lnRef>
+          <a:fillRef idx="1">
+            <a:schemeClr val="accent1"/>
+          </a:fillRef>
+          <a:effectRef idx="0">
+            <a:schemeClr val="accent1"/>
+          </a:effectRef>
+          <a:fontRef idx="minor">
+            <a:schemeClr val="lt1"/>
+          </a:fontRef>
+        </p:style>
+        <p:txBody>
+          <a:bodyPr rtlCol="0" anchor="ctr"/>
+          <a:lstStyle/>
+          <a:p>
+            <a:pPr algn="ctr"/>
+            <a:r>
+              <a:rPr lang="de-DE" sz="1400" dirty="0" smtClean="0"/>
+              <a:t>…</a:t>
+            </a:r>
+            <a:endParaRPr lang="de-DE" sz="1400" dirty="0"/>
           </a:p>
         </p:txBody>
       </p:sp>

--- a/static/img/doc/pics.pptx
+++ b/static/img/doc/pics.pptx
@@ -248,7 +248,7 @@
           <a:p>
             <a:fld id="{AE012AFE-1FD2-420A-8FDC-B1463C197541}" type="datetimeFigureOut">
               <a:rPr lang="de-DE" smtClean="0"/>
-              <a:t>18.11.2018</a:t>
+              <a:t>19.11.2018</a:t>
             </a:fld>
             <a:endParaRPr lang="de-DE"/>
           </a:p>
@@ -418,7 +418,7 @@
           <a:p>
             <a:fld id="{AE012AFE-1FD2-420A-8FDC-B1463C197541}" type="datetimeFigureOut">
               <a:rPr lang="de-DE" smtClean="0"/>
-              <a:t>18.11.2018</a:t>
+              <a:t>19.11.2018</a:t>
             </a:fld>
             <a:endParaRPr lang="de-DE"/>
           </a:p>
@@ -598,7 +598,7 @@
           <a:p>
             <a:fld id="{AE012AFE-1FD2-420A-8FDC-B1463C197541}" type="datetimeFigureOut">
               <a:rPr lang="de-DE" smtClean="0"/>
-              <a:t>18.11.2018</a:t>
+              <a:t>19.11.2018</a:t>
             </a:fld>
             <a:endParaRPr lang="de-DE"/>
           </a:p>
@@ -768,7 +768,7 @@
           <a:p>
             <a:fld id="{AE012AFE-1FD2-420A-8FDC-B1463C197541}" type="datetimeFigureOut">
               <a:rPr lang="de-DE" smtClean="0"/>
-              <a:t>18.11.2018</a:t>
+              <a:t>19.11.2018</a:t>
             </a:fld>
             <a:endParaRPr lang="de-DE"/>
           </a:p>
@@ -1014,7 +1014,7 @@
           <a:p>
             <a:fld id="{AE012AFE-1FD2-420A-8FDC-B1463C197541}" type="datetimeFigureOut">
               <a:rPr lang="de-DE" smtClean="0"/>
-              <a:t>18.11.2018</a:t>
+              <a:t>19.11.2018</a:t>
             </a:fld>
             <a:endParaRPr lang="de-DE"/>
           </a:p>
@@ -1246,7 +1246,7 @@
           <a:p>
             <a:fld id="{AE012AFE-1FD2-420A-8FDC-B1463C197541}" type="datetimeFigureOut">
               <a:rPr lang="de-DE" smtClean="0"/>
-              <a:t>18.11.2018</a:t>
+              <a:t>19.11.2018</a:t>
             </a:fld>
             <a:endParaRPr lang="de-DE"/>
           </a:p>
@@ -1613,7 +1613,7 @@
           <a:p>
             <a:fld id="{AE012AFE-1FD2-420A-8FDC-B1463C197541}" type="datetimeFigureOut">
               <a:rPr lang="de-DE" smtClean="0"/>
-              <a:t>18.11.2018</a:t>
+              <a:t>19.11.2018</a:t>
             </a:fld>
             <a:endParaRPr lang="de-DE"/>
           </a:p>
@@ -1731,7 +1731,7 @@
           <a:p>
             <a:fld id="{AE012AFE-1FD2-420A-8FDC-B1463C197541}" type="datetimeFigureOut">
               <a:rPr lang="de-DE" smtClean="0"/>
-              <a:t>18.11.2018</a:t>
+              <a:t>19.11.2018</a:t>
             </a:fld>
             <a:endParaRPr lang="de-DE"/>
           </a:p>
@@ -1826,7 +1826,7 @@
           <a:p>
             <a:fld id="{AE012AFE-1FD2-420A-8FDC-B1463C197541}" type="datetimeFigureOut">
               <a:rPr lang="de-DE" smtClean="0"/>
-              <a:t>18.11.2018</a:t>
+              <a:t>19.11.2018</a:t>
             </a:fld>
             <a:endParaRPr lang="de-DE"/>
           </a:p>
@@ -2103,7 +2103,7 @@
           <a:p>
             <a:fld id="{AE012AFE-1FD2-420A-8FDC-B1463C197541}" type="datetimeFigureOut">
               <a:rPr lang="de-DE" smtClean="0"/>
-              <a:t>18.11.2018</a:t>
+              <a:t>19.11.2018</a:t>
             </a:fld>
             <a:endParaRPr lang="de-DE"/>
           </a:p>
@@ -2356,7 +2356,7 @@
           <a:p>
             <a:fld id="{AE012AFE-1FD2-420A-8FDC-B1463C197541}" type="datetimeFigureOut">
               <a:rPr lang="de-DE" smtClean="0"/>
-              <a:t>18.11.2018</a:t>
+              <a:t>19.11.2018</a:t>
             </a:fld>
             <a:endParaRPr lang="de-DE"/>
           </a:p>
@@ -2569,7 +2569,7 @@
           <a:p>
             <a:fld id="{AE012AFE-1FD2-420A-8FDC-B1463C197541}" type="datetimeFigureOut">
               <a:rPr lang="de-DE" smtClean="0"/>
-              <a:t>18.11.2018</a:t>
+              <a:t>19.11.2018</a:t>
             </a:fld>
             <a:endParaRPr lang="de-DE"/>
           </a:p>
@@ -3902,7 +3902,7 @@
         </p:nvSpPr>
         <p:spPr>
           <a:xfrm>
-            <a:off x="3280610" y="2143311"/>
+            <a:off x="3280610" y="2146177"/>
             <a:ext cx="722820" cy="542190"/>
           </a:xfrm>
           <a:prstGeom prst="rect">
@@ -3953,7 +3953,7 @@
         </p:nvSpPr>
         <p:spPr>
           <a:xfrm>
-            <a:off x="4003430" y="2143311"/>
+            <a:off x="4003430" y="2146177"/>
             <a:ext cx="722820" cy="540500"/>
           </a:xfrm>
           <a:prstGeom prst="rect">
@@ -4004,7 +4004,7 @@
         </p:nvSpPr>
         <p:spPr>
           <a:xfrm>
-            <a:off x="4720388" y="2146399"/>
+            <a:off x="4720388" y="2149265"/>
             <a:ext cx="728682" cy="537411"/>
           </a:xfrm>
           <a:prstGeom prst="rect">
@@ -4049,14 +4049,14 @@
       </p:sp>
       <p:sp>
         <p:nvSpPr>
-          <p:cNvPr id="24" name="Rechteck 23"/>
+          <p:cNvPr id="25" name="Rechteck 24"/>
           <p:cNvSpPr/>
           <p:nvPr/>
         </p:nvSpPr>
         <p:spPr>
           <a:xfrm>
-            <a:off x="4042303" y="2792946"/>
-            <a:ext cx="375754" cy="537411"/>
+            <a:off x="3280610" y="3444273"/>
+            <a:ext cx="1171073" cy="537411"/>
           </a:xfrm>
           <a:prstGeom prst="rect">
             <a:avLst/>
@@ -4100,14 +4100,14 @@
       </p:sp>
       <p:sp>
         <p:nvSpPr>
-          <p:cNvPr id="25" name="Rechteck 24"/>
+          <p:cNvPr id="20" name="Rechteck 19"/>
           <p:cNvSpPr/>
           <p:nvPr/>
         </p:nvSpPr>
         <p:spPr>
           <a:xfrm>
-            <a:off x="3280610" y="3444273"/>
-            <a:ext cx="1171073" cy="537411"/>
+            <a:off x="3280892" y="2795443"/>
+            <a:ext cx="400437" cy="537411"/>
           </a:xfrm>
           <a:prstGeom prst="rect">
             <a:avLst/>
@@ -4151,14 +4151,14 @@
       </p:sp>
       <p:sp>
         <p:nvSpPr>
-          <p:cNvPr id="29" name="Rechteck 28"/>
+          <p:cNvPr id="26" name="Rechteck 25"/>
           <p:cNvSpPr/>
           <p:nvPr/>
         </p:nvSpPr>
         <p:spPr>
           <a:xfrm>
-            <a:off x="3681047" y="2789712"/>
-            <a:ext cx="375754" cy="537411"/>
+            <a:off x="3681329" y="2795443"/>
+            <a:ext cx="400437" cy="537411"/>
           </a:xfrm>
           <a:prstGeom prst="rect">
             <a:avLst/>
@@ -4202,13 +4202,13 @@
       </p:sp>
       <p:sp>
         <p:nvSpPr>
-          <p:cNvPr id="30" name="Rechteck 29"/>
+          <p:cNvPr id="28" name="Rechteck 27"/>
           <p:cNvSpPr/>
           <p:nvPr/>
         </p:nvSpPr>
         <p:spPr>
           <a:xfrm>
-            <a:off x="3280610" y="2789712"/>
+            <a:off x="4081766" y="2795443"/>
             <a:ext cx="400437" cy="537411"/>
           </a:xfrm>
           <a:prstGeom prst="rect">
@@ -4253,14 +4253,14 @@
       </p:sp>
       <p:sp>
         <p:nvSpPr>
-          <p:cNvPr id="31" name="Rechteck 30"/>
+          <p:cNvPr id="32" name="Rechteck 31"/>
           <p:cNvSpPr/>
           <p:nvPr/>
         </p:nvSpPr>
         <p:spPr>
           <a:xfrm>
-            <a:off x="4412043" y="2792638"/>
-            <a:ext cx="375754" cy="537411"/>
+            <a:off x="4482203" y="2795443"/>
+            <a:ext cx="400437" cy="537411"/>
           </a:xfrm>
           <a:prstGeom prst="rect">
             <a:avLst/>
@@ -4580,7 +4580,7 @@
         </p:nvSpPr>
         <p:spPr>
           <a:xfrm>
-            <a:off x="3280610" y="2143311"/>
+            <a:off x="3280610" y="2146177"/>
             <a:ext cx="722820" cy="542190"/>
           </a:xfrm>
           <a:prstGeom prst="rect">
@@ -4631,7 +4631,7 @@
         </p:nvSpPr>
         <p:spPr>
           <a:xfrm>
-            <a:off x="4003430" y="2143311"/>
+            <a:off x="4003430" y="2146177"/>
             <a:ext cx="722820" cy="540500"/>
           </a:xfrm>
           <a:prstGeom prst="rect">
@@ -4682,7 +4682,7 @@
         </p:nvSpPr>
         <p:spPr>
           <a:xfrm>
-            <a:off x="4720388" y="2146399"/>
+            <a:off x="4720388" y="2149265"/>
             <a:ext cx="728682" cy="537411"/>
           </a:xfrm>
           <a:prstGeom prst="rect">
@@ -4727,14 +4727,14 @@
       </p:sp>
       <p:sp>
         <p:nvSpPr>
-          <p:cNvPr id="24" name="Rechteck 23"/>
+          <p:cNvPr id="25" name="Rechteck 24"/>
           <p:cNvSpPr/>
           <p:nvPr/>
         </p:nvSpPr>
         <p:spPr>
           <a:xfrm>
-            <a:off x="4042303" y="2792946"/>
-            <a:ext cx="375754" cy="537411"/>
+            <a:off x="3283476" y="3444273"/>
+            <a:ext cx="1171073" cy="537411"/>
           </a:xfrm>
           <a:prstGeom prst="rect">
             <a:avLst/>
@@ -4776,210 +4776,225 @@
           </a:p>
         </p:txBody>
       </p:sp>
-      <p:sp>
-        <p:nvSpPr>
-          <p:cNvPr id="25" name="Rechteck 24"/>
-          <p:cNvSpPr/>
+      <p:grpSp>
+        <p:nvGrpSpPr>
+          <p:cNvPr id="3" name="Gruppieren 2"/>
+          <p:cNvGrpSpPr/>
           <p:nvPr/>
-        </p:nvSpPr>
-        <p:spPr>
-          <a:xfrm>
-            <a:off x="3280610" y="3444273"/>
-            <a:ext cx="1171073" cy="537411"/>
-          </a:xfrm>
-          <a:prstGeom prst="rect">
-            <a:avLst/>
-          </a:prstGeom>
-          <a:solidFill>
-            <a:schemeClr val="accent1">
-              <a:lumMod val="20000"/>
-              <a:lumOff val="80000"/>
-            </a:schemeClr>
-          </a:solidFill>
-          <a:ln>
+        </p:nvGrpSpPr>
+        <p:grpSpPr>
+          <a:xfrm>
+            <a:off x="3285292" y="2801625"/>
+            <a:ext cx="1601748" cy="540966"/>
+            <a:chOff x="3278026" y="2789711"/>
+            <a:chExt cx="1601748" cy="537411"/>
+          </a:xfrm>
+        </p:grpSpPr>
+        <p:sp>
+          <p:nvSpPr>
+            <p:cNvPr id="39" name="Rechteck 38"/>
+            <p:cNvSpPr/>
+            <p:nvPr/>
+          </p:nvSpPr>
+          <p:spPr>
+            <a:xfrm>
+              <a:off x="3278026" y="2789711"/>
+              <a:ext cx="400437" cy="537411"/>
+            </a:xfrm>
+            <a:prstGeom prst="rect">
+              <a:avLst/>
+            </a:prstGeom>
             <a:solidFill>
+              <a:schemeClr val="accent1">
+                <a:lumMod val="20000"/>
+                <a:lumOff val="80000"/>
+              </a:schemeClr>
+            </a:solidFill>
+            <a:ln>
+              <a:solidFill>
+                <a:schemeClr val="accent1"/>
+              </a:solidFill>
+            </a:ln>
+          </p:spPr>
+          <p:style>
+            <a:lnRef idx="2">
+              <a:schemeClr val="accent1">
+                <a:shade val="50000"/>
+              </a:schemeClr>
+            </a:lnRef>
+            <a:fillRef idx="1">
               <a:schemeClr val="accent1"/>
+            </a:fillRef>
+            <a:effectRef idx="0">
+              <a:schemeClr val="accent1"/>
+            </a:effectRef>
+            <a:fontRef idx="minor">
+              <a:schemeClr val="lt1"/>
+            </a:fontRef>
+          </p:style>
+          <p:txBody>
+            <a:bodyPr rtlCol="0" anchor="ctr"/>
+            <a:lstStyle/>
+            <a:p>
+              <a:pPr algn="ctr"/>
+              <a:endParaRPr lang="de-DE"/>
+            </a:p>
+          </p:txBody>
+        </p:sp>
+        <p:sp>
+          <p:nvSpPr>
+            <p:cNvPr id="40" name="Rechteck 39"/>
+            <p:cNvSpPr/>
+            <p:nvPr/>
+          </p:nvSpPr>
+          <p:spPr>
+            <a:xfrm>
+              <a:off x="3678463" y="2789711"/>
+              <a:ext cx="400437" cy="537411"/>
+            </a:xfrm>
+            <a:prstGeom prst="rect">
+              <a:avLst/>
+            </a:prstGeom>
+            <a:solidFill>
+              <a:schemeClr val="accent1">
+                <a:lumMod val="20000"/>
+                <a:lumOff val="80000"/>
+              </a:schemeClr>
             </a:solidFill>
-          </a:ln>
-        </p:spPr>
-        <p:style>
-          <a:lnRef idx="2">
-            <a:schemeClr val="accent1">
-              <a:shade val="50000"/>
-            </a:schemeClr>
-          </a:lnRef>
-          <a:fillRef idx="1">
-            <a:schemeClr val="accent1"/>
-          </a:fillRef>
-          <a:effectRef idx="0">
-            <a:schemeClr val="accent1"/>
-          </a:effectRef>
-          <a:fontRef idx="minor">
-            <a:schemeClr val="lt1"/>
-          </a:fontRef>
-        </p:style>
-        <p:txBody>
-          <a:bodyPr rtlCol="0" anchor="ctr"/>
-          <a:lstStyle/>
-          <a:p>
-            <a:pPr algn="ctr"/>
-            <a:endParaRPr lang="de-DE"/>
-          </a:p>
-        </p:txBody>
-      </p:sp>
-      <p:sp>
-        <p:nvSpPr>
-          <p:cNvPr id="29" name="Rechteck 28"/>
-          <p:cNvSpPr/>
-          <p:nvPr/>
-        </p:nvSpPr>
-        <p:spPr>
-          <a:xfrm>
-            <a:off x="3681047" y="2789712"/>
-            <a:ext cx="375754" cy="537411"/>
-          </a:xfrm>
-          <a:prstGeom prst="rect">
-            <a:avLst/>
-          </a:prstGeom>
-          <a:solidFill>
-            <a:schemeClr val="accent1">
-              <a:lumMod val="20000"/>
-              <a:lumOff val="80000"/>
-            </a:schemeClr>
-          </a:solidFill>
-          <a:ln>
+            <a:ln>
+              <a:solidFill>
+                <a:schemeClr val="accent1"/>
+              </a:solidFill>
+            </a:ln>
+          </p:spPr>
+          <p:style>
+            <a:lnRef idx="2">
+              <a:schemeClr val="accent1">
+                <a:shade val="50000"/>
+              </a:schemeClr>
+            </a:lnRef>
+            <a:fillRef idx="1">
+              <a:schemeClr val="accent1"/>
+            </a:fillRef>
+            <a:effectRef idx="0">
+              <a:schemeClr val="accent1"/>
+            </a:effectRef>
+            <a:fontRef idx="minor">
+              <a:schemeClr val="lt1"/>
+            </a:fontRef>
+          </p:style>
+          <p:txBody>
+            <a:bodyPr rtlCol="0" anchor="ctr"/>
+            <a:lstStyle/>
+            <a:p>
+              <a:pPr algn="ctr"/>
+              <a:endParaRPr lang="de-DE"/>
+            </a:p>
+          </p:txBody>
+        </p:sp>
+        <p:sp>
+          <p:nvSpPr>
+            <p:cNvPr id="41" name="Rechteck 40"/>
+            <p:cNvSpPr/>
+            <p:nvPr/>
+          </p:nvSpPr>
+          <p:spPr>
+            <a:xfrm>
+              <a:off x="4078900" y="2789711"/>
+              <a:ext cx="400437" cy="537411"/>
+            </a:xfrm>
+            <a:prstGeom prst="rect">
+              <a:avLst/>
+            </a:prstGeom>
             <a:solidFill>
+              <a:schemeClr val="accent1">
+                <a:lumMod val="20000"/>
+                <a:lumOff val="80000"/>
+              </a:schemeClr>
+            </a:solidFill>
+            <a:ln>
+              <a:solidFill>
+                <a:schemeClr val="accent1"/>
+              </a:solidFill>
+            </a:ln>
+          </p:spPr>
+          <p:style>
+            <a:lnRef idx="2">
+              <a:schemeClr val="accent1">
+                <a:shade val="50000"/>
+              </a:schemeClr>
+            </a:lnRef>
+            <a:fillRef idx="1">
               <a:schemeClr val="accent1"/>
+            </a:fillRef>
+            <a:effectRef idx="0">
+              <a:schemeClr val="accent1"/>
+            </a:effectRef>
+            <a:fontRef idx="minor">
+              <a:schemeClr val="lt1"/>
+            </a:fontRef>
+          </p:style>
+          <p:txBody>
+            <a:bodyPr rtlCol="0" anchor="ctr"/>
+            <a:lstStyle/>
+            <a:p>
+              <a:pPr algn="ctr"/>
+              <a:endParaRPr lang="de-DE"/>
+            </a:p>
+          </p:txBody>
+        </p:sp>
+        <p:sp>
+          <p:nvSpPr>
+            <p:cNvPr id="42" name="Rechteck 41"/>
+            <p:cNvSpPr/>
+            <p:nvPr/>
+          </p:nvSpPr>
+          <p:spPr>
+            <a:xfrm>
+              <a:off x="4479337" y="2789711"/>
+              <a:ext cx="400437" cy="537411"/>
+            </a:xfrm>
+            <a:prstGeom prst="rect">
+              <a:avLst/>
+            </a:prstGeom>
+            <a:solidFill>
+              <a:schemeClr val="accent1">
+                <a:lumMod val="20000"/>
+                <a:lumOff val="80000"/>
+              </a:schemeClr>
             </a:solidFill>
-          </a:ln>
-        </p:spPr>
-        <p:style>
-          <a:lnRef idx="2">
-            <a:schemeClr val="accent1">
-              <a:shade val="50000"/>
-            </a:schemeClr>
-          </a:lnRef>
-          <a:fillRef idx="1">
-            <a:schemeClr val="accent1"/>
-          </a:fillRef>
-          <a:effectRef idx="0">
-            <a:schemeClr val="accent1"/>
-          </a:effectRef>
-          <a:fontRef idx="minor">
-            <a:schemeClr val="lt1"/>
-          </a:fontRef>
-        </p:style>
-        <p:txBody>
-          <a:bodyPr rtlCol="0" anchor="ctr"/>
-          <a:lstStyle/>
-          <a:p>
-            <a:pPr algn="ctr"/>
-            <a:endParaRPr lang="de-DE"/>
-          </a:p>
-        </p:txBody>
-      </p:sp>
-      <p:sp>
-        <p:nvSpPr>
-          <p:cNvPr id="30" name="Rechteck 29"/>
-          <p:cNvSpPr/>
-          <p:nvPr/>
-        </p:nvSpPr>
-        <p:spPr>
-          <a:xfrm>
-            <a:off x="3280610" y="2789712"/>
-            <a:ext cx="400437" cy="537411"/>
-          </a:xfrm>
-          <a:prstGeom prst="rect">
-            <a:avLst/>
-          </a:prstGeom>
-          <a:solidFill>
-            <a:schemeClr val="accent1">
-              <a:lumMod val="20000"/>
-              <a:lumOff val="80000"/>
-            </a:schemeClr>
-          </a:solidFill>
-          <a:ln>
-            <a:solidFill>
+            <a:ln>
+              <a:solidFill>
+                <a:schemeClr val="accent1"/>
+              </a:solidFill>
+            </a:ln>
+          </p:spPr>
+          <p:style>
+            <a:lnRef idx="2">
+              <a:schemeClr val="accent1">
+                <a:shade val="50000"/>
+              </a:schemeClr>
+            </a:lnRef>
+            <a:fillRef idx="1">
               <a:schemeClr val="accent1"/>
-            </a:solidFill>
-          </a:ln>
-        </p:spPr>
-        <p:style>
-          <a:lnRef idx="2">
-            <a:schemeClr val="accent1">
-              <a:shade val="50000"/>
-            </a:schemeClr>
-          </a:lnRef>
-          <a:fillRef idx="1">
-            <a:schemeClr val="accent1"/>
-          </a:fillRef>
-          <a:effectRef idx="0">
-            <a:schemeClr val="accent1"/>
-          </a:effectRef>
-          <a:fontRef idx="minor">
-            <a:schemeClr val="lt1"/>
-          </a:fontRef>
-        </p:style>
-        <p:txBody>
-          <a:bodyPr rtlCol="0" anchor="ctr"/>
-          <a:lstStyle/>
-          <a:p>
-            <a:pPr algn="ctr"/>
-            <a:endParaRPr lang="de-DE"/>
-          </a:p>
-        </p:txBody>
-      </p:sp>
-      <p:sp>
-        <p:nvSpPr>
-          <p:cNvPr id="31" name="Rechteck 30"/>
-          <p:cNvSpPr/>
-          <p:nvPr/>
-        </p:nvSpPr>
-        <p:spPr>
-          <a:xfrm>
-            <a:off x="4412043" y="2792638"/>
-            <a:ext cx="375754" cy="537411"/>
-          </a:xfrm>
-          <a:prstGeom prst="rect">
-            <a:avLst/>
-          </a:prstGeom>
-          <a:solidFill>
-            <a:schemeClr val="accent1">
-              <a:lumMod val="20000"/>
-              <a:lumOff val="80000"/>
-            </a:schemeClr>
-          </a:solidFill>
-          <a:ln>
-            <a:solidFill>
+            </a:fillRef>
+            <a:effectRef idx="0">
               <a:schemeClr val="accent1"/>
-            </a:solidFill>
-          </a:ln>
-        </p:spPr>
-        <p:style>
-          <a:lnRef idx="2">
-            <a:schemeClr val="accent1">
-              <a:shade val="50000"/>
-            </a:schemeClr>
-          </a:lnRef>
-          <a:fillRef idx="1">
-            <a:schemeClr val="accent1"/>
-          </a:fillRef>
-          <a:effectRef idx="0">
-            <a:schemeClr val="accent1"/>
-          </a:effectRef>
-          <a:fontRef idx="minor">
-            <a:schemeClr val="lt1"/>
-          </a:fontRef>
-        </p:style>
-        <p:txBody>
-          <a:bodyPr rtlCol="0" anchor="ctr"/>
-          <a:lstStyle/>
-          <a:p>
-            <a:pPr algn="ctr"/>
-            <a:endParaRPr lang="de-DE"/>
-          </a:p>
-        </p:txBody>
-      </p:sp>
+            </a:effectRef>
+            <a:fontRef idx="minor">
+              <a:schemeClr val="lt1"/>
+            </a:fontRef>
+          </p:style>
+          <p:txBody>
+            <a:bodyPr rtlCol="0" anchor="ctr"/>
+            <a:lstStyle/>
+            <a:p>
+              <a:pPr algn="ctr"/>
+              <a:endParaRPr lang="de-DE"/>
+            </a:p>
+          </p:txBody>
+        </p:sp>
+      </p:grpSp>
       <p:sp>
         <p:nvSpPr>
           <p:cNvPr id="15" name="Rechteck 14"/>
@@ -4988,7 +5003,7 @@
         </p:nvSpPr>
         <p:spPr>
           <a:xfrm>
-            <a:off x="3712671" y="2850022"/>
+            <a:off x="3730572" y="2860278"/>
             <a:ext cx="323618" cy="173223"/>
           </a:xfrm>
           <a:prstGeom prst="rect">
@@ -5036,7 +5051,7 @@
         </p:nvSpPr>
         <p:spPr>
           <a:xfrm>
-            <a:off x="4441118" y="2867413"/>
+            <a:off x="4524457" y="2857917"/>
             <a:ext cx="323618" cy="173223"/>
           </a:xfrm>
           <a:prstGeom prst="rect">
@@ -5078,14 +5093,14 @@
       </p:sp>
       <p:sp>
         <p:nvSpPr>
-          <p:cNvPr id="20" name="Rechteck 19"/>
+          <p:cNvPr id="21" name="Rechteck 20"/>
           <p:cNvSpPr/>
           <p:nvPr/>
         </p:nvSpPr>
         <p:spPr>
           <a:xfrm>
-            <a:off x="3712671" y="3115411"/>
-            <a:ext cx="323618" cy="173223"/>
+            <a:off x="4140153" y="3100206"/>
+            <a:ext cx="692900" cy="173223"/>
           </a:xfrm>
           <a:prstGeom prst="rect">
             <a:avLst/>
@@ -5126,25 +5141,25 @@
       </p:sp>
       <p:sp>
         <p:nvSpPr>
-          <p:cNvPr id="21" name="Rechteck 20"/>
+          <p:cNvPr id="22" name="Rechteck 21"/>
           <p:cNvSpPr/>
           <p:nvPr/>
         </p:nvSpPr>
         <p:spPr>
           <a:xfrm>
-            <a:off x="4441118" y="3132802"/>
-            <a:ext cx="323618" cy="173223"/>
+            <a:off x="3323701" y="2914302"/>
+            <a:ext cx="323618" cy="67605"/>
           </a:xfrm>
           <a:prstGeom prst="rect">
             <a:avLst/>
           </a:prstGeom>
           <a:solidFill>
-            <a:schemeClr val="bg1"/>
+            <a:schemeClr val="accent1">
+              <a:lumMod val="75000"/>
+            </a:schemeClr>
           </a:solidFill>
           <a:ln>
-            <a:solidFill>
-              <a:schemeClr val="accent1"/>
-            </a:solidFill>
+            <a:noFill/>
           </a:ln>
         </p:spPr>
         <p:style>
@@ -5174,13 +5189,13 @@
       </p:sp>
       <p:sp>
         <p:nvSpPr>
-          <p:cNvPr id="22" name="Rechteck 21"/>
+          <p:cNvPr id="23" name="Rechteck 22"/>
           <p:cNvSpPr/>
           <p:nvPr/>
         </p:nvSpPr>
         <p:spPr>
           <a:xfrm>
-            <a:off x="3343389" y="2896911"/>
+            <a:off x="4124020" y="2917113"/>
             <a:ext cx="323618" cy="67605"/>
           </a:xfrm>
           <a:prstGeom prst="rect">
@@ -5222,110 +5237,14 @@
       </p:sp>
       <p:sp>
         <p:nvSpPr>
-          <p:cNvPr id="23" name="Rechteck 22"/>
-          <p:cNvSpPr/>
-          <p:nvPr/>
-        </p:nvSpPr>
-        <p:spPr>
-          <a:xfrm>
-            <a:off x="4071836" y="2914302"/>
-            <a:ext cx="323618" cy="67605"/>
-          </a:xfrm>
-          <a:prstGeom prst="rect">
-            <a:avLst/>
-          </a:prstGeom>
-          <a:solidFill>
-            <a:schemeClr val="accent1">
-              <a:lumMod val="75000"/>
-            </a:schemeClr>
-          </a:solidFill>
-          <a:ln>
-            <a:noFill/>
-          </a:ln>
-        </p:spPr>
-        <p:style>
-          <a:lnRef idx="2">
-            <a:schemeClr val="accent1">
-              <a:shade val="50000"/>
-            </a:schemeClr>
-          </a:lnRef>
-          <a:fillRef idx="1">
-            <a:schemeClr val="accent1"/>
-          </a:fillRef>
-          <a:effectRef idx="0">
-            <a:schemeClr val="accent1"/>
-          </a:effectRef>
-          <a:fontRef idx="minor">
-            <a:schemeClr val="lt1"/>
-          </a:fontRef>
-        </p:style>
-        <p:txBody>
-          <a:bodyPr rtlCol="0" anchor="ctr"/>
-          <a:lstStyle/>
-          <a:p>
-            <a:pPr algn="ctr"/>
-            <a:endParaRPr lang="de-DE"/>
-          </a:p>
-        </p:txBody>
-      </p:sp>
-      <p:sp>
-        <p:nvSpPr>
           <p:cNvPr id="26" name="Rechteck 25"/>
           <p:cNvSpPr/>
           <p:nvPr/>
         </p:nvSpPr>
         <p:spPr>
           <a:xfrm>
-            <a:off x="3343389" y="3162300"/>
-            <a:ext cx="323618" cy="67605"/>
-          </a:xfrm>
-          <a:prstGeom prst="rect">
-            <a:avLst/>
-          </a:prstGeom>
-          <a:solidFill>
-            <a:schemeClr val="accent1">
-              <a:lumMod val="75000"/>
-            </a:schemeClr>
-          </a:solidFill>
-          <a:ln>
-            <a:noFill/>
-          </a:ln>
-        </p:spPr>
-        <p:style>
-          <a:lnRef idx="2">
-            <a:schemeClr val="accent1">
-              <a:shade val="50000"/>
-            </a:schemeClr>
-          </a:lnRef>
-          <a:fillRef idx="1">
-            <a:schemeClr val="accent1"/>
-          </a:fillRef>
-          <a:effectRef idx="0">
-            <a:schemeClr val="accent1"/>
-          </a:effectRef>
-          <a:fontRef idx="minor">
-            <a:schemeClr val="lt1"/>
-          </a:fontRef>
-        </p:style>
-        <p:txBody>
-          <a:bodyPr rtlCol="0" anchor="ctr"/>
-          <a:lstStyle/>
-          <a:p>
-            <a:pPr algn="ctr"/>
-            <a:endParaRPr lang="de-DE"/>
-          </a:p>
-        </p:txBody>
-      </p:sp>
-      <p:sp>
-        <p:nvSpPr>
-          <p:cNvPr id="28" name="Rechteck 27"/>
-          <p:cNvSpPr/>
-          <p:nvPr/>
-        </p:nvSpPr>
-        <p:spPr>
-          <a:xfrm>
-            <a:off x="4071836" y="3179691"/>
-            <a:ext cx="323618" cy="67605"/>
+            <a:off x="3339279" y="3152329"/>
+            <a:ext cx="692900" cy="71116"/>
           </a:xfrm>
           <a:prstGeom prst="rect">
             <a:avLst/>

--- a/static/img/doc/pics.pptx
+++ b/static/img/doc/pics.pptx
@@ -248,7 +248,7 @@
           <a:p>
             <a:fld id="{AE012AFE-1FD2-420A-8FDC-B1463C197541}" type="datetimeFigureOut">
               <a:rPr lang="de-DE" smtClean="0"/>
-              <a:t>19.11.2018</a:t>
+              <a:t>20.11.2018</a:t>
             </a:fld>
             <a:endParaRPr lang="de-DE"/>
           </a:p>
@@ -418,7 +418,7 @@
           <a:p>
             <a:fld id="{AE012AFE-1FD2-420A-8FDC-B1463C197541}" type="datetimeFigureOut">
               <a:rPr lang="de-DE" smtClean="0"/>
-              <a:t>19.11.2018</a:t>
+              <a:t>20.11.2018</a:t>
             </a:fld>
             <a:endParaRPr lang="de-DE"/>
           </a:p>
@@ -598,7 +598,7 @@
           <a:p>
             <a:fld id="{AE012AFE-1FD2-420A-8FDC-B1463C197541}" type="datetimeFigureOut">
               <a:rPr lang="de-DE" smtClean="0"/>
-              <a:t>19.11.2018</a:t>
+              <a:t>20.11.2018</a:t>
             </a:fld>
             <a:endParaRPr lang="de-DE"/>
           </a:p>
@@ -768,7 +768,7 @@
           <a:p>
             <a:fld id="{AE012AFE-1FD2-420A-8FDC-B1463C197541}" type="datetimeFigureOut">
               <a:rPr lang="de-DE" smtClean="0"/>
-              <a:t>19.11.2018</a:t>
+              <a:t>20.11.2018</a:t>
             </a:fld>
             <a:endParaRPr lang="de-DE"/>
           </a:p>
@@ -1014,7 +1014,7 @@
           <a:p>
             <a:fld id="{AE012AFE-1FD2-420A-8FDC-B1463C197541}" type="datetimeFigureOut">
               <a:rPr lang="de-DE" smtClean="0"/>
-              <a:t>19.11.2018</a:t>
+              <a:t>20.11.2018</a:t>
             </a:fld>
             <a:endParaRPr lang="de-DE"/>
           </a:p>
@@ -1246,7 +1246,7 @@
           <a:p>
             <a:fld id="{AE012AFE-1FD2-420A-8FDC-B1463C197541}" type="datetimeFigureOut">
               <a:rPr lang="de-DE" smtClean="0"/>
-              <a:t>19.11.2018</a:t>
+              <a:t>20.11.2018</a:t>
             </a:fld>
             <a:endParaRPr lang="de-DE"/>
           </a:p>
@@ -1613,7 +1613,7 @@
           <a:p>
             <a:fld id="{AE012AFE-1FD2-420A-8FDC-B1463C197541}" type="datetimeFigureOut">
               <a:rPr lang="de-DE" smtClean="0"/>
-              <a:t>19.11.2018</a:t>
+              <a:t>20.11.2018</a:t>
             </a:fld>
             <a:endParaRPr lang="de-DE"/>
           </a:p>
@@ -1731,7 +1731,7 @@
           <a:p>
             <a:fld id="{AE012AFE-1FD2-420A-8FDC-B1463C197541}" type="datetimeFigureOut">
               <a:rPr lang="de-DE" smtClean="0"/>
-              <a:t>19.11.2018</a:t>
+              <a:t>20.11.2018</a:t>
             </a:fld>
             <a:endParaRPr lang="de-DE"/>
           </a:p>
@@ -1826,7 +1826,7 @@
           <a:p>
             <a:fld id="{AE012AFE-1FD2-420A-8FDC-B1463C197541}" type="datetimeFigureOut">
               <a:rPr lang="de-DE" smtClean="0"/>
-              <a:t>19.11.2018</a:t>
+              <a:t>20.11.2018</a:t>
             </a:fld>
             <a:endParaRPr lang="de-DE"/>
           </a:p>
@@ -2103,7 +2103,7 @@
           <a:p>
             <a:fld id="{AE012AFE-1FD2-420A-8FDC-B1463C197541}" type="datetimeFigureOut">
               <a:rPr lang="de-DE" smtClean="0"/>
-              <a:t>19.11.2018</a:t>
+              <a:t>20.11.2018</a:t>
             </a:fld>
             <a:endParaRPr lang="de-DE"/>
           </a:p>
@@ -2356,7 +2356,7 @@
           <a:p>
             <a:fld id="{AE012AFE-1FD2-420A-8FDC-B1463C197541}" type="datetimeFigureOut">
               <a:rPr lang="de-DE" smtClean="0"/>
-              <a:t>19.11.2018</a:t>
+              <a:t>20.11.2018</a:t>
             </a:fld>
             <a:endParaRPr lang="de-DE"/>
           </a:p>
@@ -2569,7 +2569,7 @@
           <a:p>
             <a:fld id="{AE012AFE-1FD2-420A-8FDC-B1463C197541}" type="datetimeFigureOut">
               <a:rPr lang="de-DE" smtClean="0"/>
-              <a:t>19.11.2018</a:t>
+              <a:t>20.11.2018</a:t>
             </a:fld>
             <a:endParaRPr lang="de-DE"/>
           </a:p>
@@ -5003,8 +5003,8 @@
         </p:nvSpPr>
         <p:spPr>
           <a:xfrm>
-            <a:off x="3730572" y="2860278"/>
-            <a:ext cx="323618" cy="173223"/>
+            <a:off x="3730572" y="2887515"/>
+            <a:ext cx="323618" cy="144000"/>
           </a:xfrm>
           <a:prstGeom prst="rect">
             <a:avLst/>
@@ -5051,8 +5051,8 @@
         </p:nvSpPr>
         <p:spPr>
           <a:xfrm>
-            <a:off x="4524457" y="2857917"/>
-            <a:ext cx="323618" cy="173223"/>
+            <a:off x="4524457" y="2887515"/>
+            <a:ext cx="323618" cy="144000"/>
           </a:xfrm>
           <a:prstGeom prst="rect">
             <a:avLst/>
@@ -5099,8 +5099,8 @@
         </p:nvSpPr>
         <p:spPr>
           <a:xfrm>
-            <a:off x="4140153" y="3100206"/>
-            <a:ext cx="692900" cy="173223"/>
+            <a:off x="4140153" y="3126267"/>
+            <a:ext cx="692900" cy="144000"/>
           </a:xfrm>
           <a:prstGeom prst="rect">
             <a:avLst/>
@@ -5147,8 +5147,8 @@
         </p:nvSpPr>
         <p:spPr>
           <a:xfrm>
-            <a:off x="3323701" y="2914302"/>
-            <a:ext cx="323618" cy="67605"/>
+            <a:off x="3323701" y="2905515"/>
+            <a:ext cx="323618" cy="108000"/>
           </a:xfrm>
           <a:prstGeom prst="rect">
             <a:avLst/>
@@ -5195,8 +5195,8 @@
         </p:nvSpPr>
         <p:spPr>
           <a:xfrm>
-            <a:off x="4124020" y="2917113"/>
-            <a:ext cx="323618" cy="67605"/>
+            <a:off x="4124020" y="2905515"/>
+            <a:ext cx="323618" cy="108000"/>
           </a:xfrm>
           <a:prstGeom prst="rect">
             <a:avLst/>
@@ -5243,8 +5243,8 @@
         </p:nvSpPr>
         <p:spPr>
           <a:xfrm>
-            <a:off x="3339279" y="3152329"/>
-            <a:ext cx="692900" cy="71116"/>
+            <a:off x="3339279" y="3144267"/>
+            <a:ext cx="692900" cy="108000"/>
           </a:xfrm>
           <a:prstGeom prst="rect">
             <a:avLst/>

--- a/static/img/doc/pics.pptx
+++ b/static/img/doc/pics.pptx
@@ -248,7 +248,7 @@
           <a:p>
             <a:fld id="{AE012AFE-1FD2-420A-8FDC-B1463C197541}" type="datetimeFigureOut">
               <a:rPr lang="de-DE" smtClean="0"/>
-              <a:t>20.11.2018</a:t>
+              <a:t>31.05.2019</a:t>
             </a:fld>
             <a:endParaRPr lang="de-DE"/>
           </a:p>
@@ -418,7 +418,7 @@
           <a:p>
             <a:fld id="{AE012AFE-1FD2-420A-8FDC-B1463C197541}" type="datetimeFigureOut">
               <a:rPr lang="de-DE" smtClean="0"/>
-              <a:t>20.11.2018</a:t>
+              <a:t>31.05.2019</a:t>
             </a:fld>
             <a:endParaRPr lang="de-DE"/>
           </a:p>
@@ -598,7 +598,7 @@
           <a:p>
             <a:fld id="{AE012AFE-1FD2-420A-8FDC-B1463C197541}" type="datetimeFigureOut">
               <a:rPr lang="de-DE" smtClean="0"/>
-              <a:t>20.11.2018</a:t>
+              <a:t>31.05.2019</a:t>
             </a:fld>
             <a:endParaRPr lang="de-DE"/>
           </a:p>
@@ -768,7 +768,7 @@
           <a:p>
             <a:fld id="{AE012AFE-1FD2-420A-8FDC-B1463C197541}" type="datetimeFigureOut">
               <a:rPr lang="de-DE" smtClean="0"/>
-              <a:t>20.11.2018</a:t>
+              <a:t>31.05.2019</a:t>
             </a:fld>
             <a:endParaRPr lang="de-DE"/>
           </a:p>
@@ -1014,7 +1014,7 @@
           <a:p>
             <a:fld id="{AE012AFE-1FD2-420A-8FDC-B1463C197541}" type="datetimeFigureOut">
               <a:rPr lang="de-DE" smtClean="0"/>
-              <a:t>20.11.2018</a:t>
+              <a:t>31.05.2019</a:t>
             </a:fld>
             <a:endParaRPr lang="de-DE"/>
           </a:p>
@@ -1246,7 +1246,7 @@
           <a:p>
             <a:fld id="{AE012AFE-1FD2-420A-8FDC-B1463C197541}" type="datetimeFigureOut">
               <a:rPr lang="de-DE" smtClean="0"/>
-              <a:t>20.11.2018</a:t>
+              <a:t>31.05.2019</a:t>
             </a:fld>
             <a:endParaRPr lang="de-DE"/>
           </a:p>
@@ -1613,7 +1613,7 @@
           <a:p>
             <a:fld id="{AE012AFE-1FD2-420A-8FDC-B1463C197541}" type="datetimeFigureOut">
               <a:rPr lang="de-DE" smtClean="0"/>
-              <a:t>20.11.2018</a:t>
+              <a:t>31.05.2019</a:t>
             </a:fld>
             <a:endParaRPr lang="de-DE"/>
           </a:p>
@@ -1731,7 +1731,7 @@
           <a:p>
             <a:fld id="{AE012AFE-1FD2-420A-8FDC-B1463C197541}" type="datetimeFigureOut">
               <a:rPr lang="de-DE" smtClean="0"/>
-              <a:t>20.11.2018</a:t>
+              <a:t>31.05.2019</a:t>
             </a:fld>
             <a:endParaRPr lang="de-DE"/>
           </a:p>
@@ -1826,7 +1826,7 @@
           <a:p>
             <a:fld id="{AE012AFE-1FD2-420A-8FDC-B1463C197541}" type="datetimeFigureOut">
               <a:rPr lang="de-DE" smtClean="0"/>
-              <a:t>20.11.2018</a:t>
+              <a:t>31.05.2019</a:t>
             </a:fld>
             <a:endParaRPr lang="de-DE"/>
           </a:p>
@@ -2103,7 +2103,7 @@
           <a:p>
             <a:fld id="{AE012AFE-1FD2-420A-8FDC-B1463C197541}" type="datetimeFigureOut">
               <a:rPr lang="de-DE" smtClean="0"/>
-              <a:t>20.11.2018</a:t>
+              <a:t>31.05.2019</a:t>
             </a:fld>
             <a:endParaRPr lang="de-DE"/>
           </a:p>
@@ -2356,7 +2356,7 @@
           <a:p>
             <a:fld id="{AE012AFE-1FD2-420A-8FDC-B1463C197541}" type="datetimeFigureOut">
               <a:rPr lang="de-DE" smtClean="0"/>
-              <a:t>20.11.2018</a:t>
+              <a:t>31.05.2019</a:t>
             </a:fld>
             <a:endParaRPr lang="de-DE"/>
           </a:p>
@@ -2569,7 +2569,7 @@
           <a:p>
             <a:fld id="{AE012AFE-1FD2-420A-8FDC-B1463C197541}" type="datetimeFigureOut">
               <a:rPr lang="de-DE" smtClean="0"/>
-              <a:t>20.11.2018</a:t>
+              <a:t>31.05.2019</a:t>
             </a:fld>
             <a:endParaRPr lang="de-DE"/>
           </a:p>
@@ -5381,7 +5381,7 @@
           <a:prstGeom prst="corner">
             <a:avLst>
               <a:gd name="adj1" fmla="val 31498"/>
-              <a:gd name="adj2" fmla="val 30176"/>
+              <a:gd name="adj2" fmla="val 22620"/>
             </a:avLst>
           </a:prstGeom>
           <a:solidFill>
@@ -5427,8 +5427,8 @@
         </p:nvSpPr>
         <p:spPr>
           <a:xfrm>
-            <a:off x="5261811" y="3971658"/>
-            <a:ext cx="2502566" cy="784824"/>
+            <a:off x="5261811" y="3811163"/>
+            <a:ext cx="2502566" cy="945319"/>
           </a:xfrm>
           <a:prstGeom prst="rect">
             <a:avLst/>
@@ -5459,9 +5459,17 @@
           <a:p>
             <a:pPr algn="ctr"/>
             <a:r>
-              <a:rPr lang="de-DE" dirty="0" smtClean="0"/>
-              <a:t>Q2</a:t>
-            </a:r>
+              <a:rPr lang="de-DE" sz="2000" dirty="0" smtClean="0"/>
+              <a:t>Survey</a:t>
+            </a:r>
+          </a:p>
+          <a:p>
+            <a:pPr algn="ctr"/>
+            <a:r>
+              <a:rPr lang="de-DE" sz="1600" dirty="0" smtClean="0"/>
+              <a:t>Quest 2</a:t>
+            </a:r>
+            <a:endParaRPr lang="de-DE" sz="1600" dirty="0" smtClean="0"/>
           </a:p>
           <a:p>
             <a:pPr algn="ctr"/>
@@ -5477,8 +5485,8 @@
         </p:nvSpPr>
         <p:spPr>
           <a:xfrm>
-            <a:off x="5261811" y="3042259"/>
-            <a:ext cx="2502564" cy="784824"/>
+            <a:off x="5261811" y="2832854"/>
+            <a:ext cx="2502564" cy="901528"/>
           </a:xfrm>
           <a:prstGeom prst="rect">
             <a:avLst/>
@@ -5514,13 +5522,24 @@
           <a:p>
             <a:pPr algn="ctr"/>
             <a:r>
-              <a:rPr lang="de-DE" dirty="0" smtClean="0"/>
-              <a:t>Q1</a:t>
+              <a:rPr lang="de-DE" sz="2000" dirty="0" smtClean="0"/>
+              <a:t>Survey</a:t>
+            </a:r>
+          </a:p>
+          <a:p>
+            <a:pPr algn="ctr"/>
+            <a:r>
+              <a:rPr lang="de-DE" sz="1600" dirty="0" smtClean="0"/>
+              <a:t>Quest 1</a:t>
+            </a:r>
+            <a:r>
+              <a:rPr lang="de-DE" sz="1600" dirty="0" smtClean="0"/>
+              <a:t/>
             </a:r>
             <a:br>
-              <a:rPr lang="de-DE" dirty="0" smtClean="0"/>
+              <a:rPr lang="de-DE" sz="1600" dirty="0" smtClean="0"/>
             </a:br>
-            <a:endParaRPr lang="de-DE" dirty="0"/>
+            <a:endParaRPr lang="de-DE" sz="1600" dirty="0"/>
           </a:p>
         </p:txBody>
       </p:sp>
@@ -5564,163 +5583,13 @@
       </p:sp>
       <p:sp>
         <p:nvSpPr>
-          <p:cNvPr id="10" name="Rechteck 9"/>
-          <p:cNvSpPr/>
-          <p:nvPr/>
-        </p:nvSpPr>
-        <p:spPr>
-          <a:xfrm>
-            <a:off x="5615996" y="4419600"/>
-            <a:ext cx="891385" cy="259831"/>
-          </a:xfrm>
-          <a:prstGeom prst="rect">
-            <a:avLst/>
-          </a:prstGeom>
-          <a:solidFill>
-            <a:srgbClr val="C5DCF1"/>
-          </a:solidFill>
-          <a:ln>
-            <a:noFill/>
-          </a:ln>
-        </p:spPr>
-        <p:style>
-          <a:lnRef idx="2">
-            <a:schemeClr val="accent1">
-              <a:shade val="50000"/>
-            </a:schemeClr>
-          </a:lnRef>
-          <a:fillRef idx="1">
-            <a:schemeClr val="accent1"/>
-          </a:fillRef>
-          <a:effectRef idx="0">
-            <a:schemeClr val="accent1"/>
-          </a:effectRef>
-          <a:fontRef idx="minor">
-            <a:schemeClr val="lt1"/>
-          </a:fontRef>
-        </p:style>
-        <p:txBody>
-          <a:bodyPr rtlCol="0" anchor="ctr"/>
-          <a:lstStyle/>
-          <a:p>
-            <a:pPr algn="ctr"/>
-            <a:r>
-              <a:rPr lang="de-DE" sz="1400" dirty="0" smtClean="0"/>
-              <a:t>Wave 1</a:t>
-            </a:r>
-            <a:endParaRPr lang="de-DE" sz="1400" dirty="0"/>
-          </a:p>
-        </p:txBody>
-      </p:sp>
-      <p:sp>
-        <p:nvSpPr>
-          <p:cNvPr id="11" name="Rechteck 10"/>
-          <p:cNvSpPr/>
-          <p:nvPr/>
-        </p:nvSpPr>
-        <p:spPr>
-          <a:xfrm>
-            <a:off x="6537710" y="4419600"/>
-            <a:ext cx="891385" cy="259831"/>
-          </a:xfrm>
-          <a:prstGeom prst="rect">
-            <a:avLst/>
-          </a:prstGeom>
-          <a:solidFill>
-            <a:srgbClr val="C5DCF1"/>
-          </a:solidFill>
-          <a:ln>
-            <a:noFill/>
-          </a:ln>
-        </p:spPr>
-        <p:style>
-          <a:lnRef idx="2">
-            <a:schemeClr val="accent1">
-              <a:shade val="50000"/>
-            </a:schemeClr>
-          </a:lnRef>
-          <a:fillRef idx="1">
-            <a:schemeClr val="accent1"/>
-          </a:fillRef>
-          <a:effectRef idx="0">
-            <a:schemeClr val="accent1"/>
-          </a:effectRef>
-          <a:fontRef idx="minor">
-            <a:schemeClr val="lt1"/>
-          </a:fontRef>
-        </p:style>
-        <p:txBody>
-          <a:bodyPr rtlCol="0" anchor="ctr"/>
-          <a:lstStyle/>
-          <a:p>
-            <a:pPr algn="ctr"/>
-            <a:r>
-              <a:rPr lang="de-DE" sz="1400" dirty="0" smtClean="0"/>
-              <a:t>Wave 2</a:t>
-            </a:r>
-            <a:endParaRPr lang="de-DE" sz="1400" dirty="0"/>
-          </a:p>
-        </p:txBody>
-      </p:sp>
-      <p:sp>
-        <p:nvSpPr>
-          <p:cNvPr id="12" name="Rechteck 11"/>
-          <p:cNvSpPr/>
-          <p:nvPr/>
-        </p:nvSpPr>
-        <p:spPr>
-          <a:xfrm>
-            <a:off x="7459426" y="4417840"/>
-            <a:ext cx="221130" cy="259831"/>
-          </a:xfrm>
-          <a:prstGeom prst="rect">
-            <a:avLst/>
-          </a:prstGeom>
-          <a:solidFill>
-            <a:srgbClr val="C5DCF1"/>
-          </a:solidFill>
-          <a:ln>
-            <a:noFill/>
-          </a:ln>
-        </p:spPr>
-        <p:style>
-          <a:lnRef idx="2">
-            <a:schemeClr val="accent1">
-              <a:shade val="50000"/>
-            </a:schemeClr>
-          </a:lnRef>
-          <a:fillRef idx="1">
-            <a:schemeClr val="accent1"/>
-          </a:fillRef>
-          <a:effectRef idx="0">
-            <a:schemeClr val="accent1"/>
-          </a:effectRef>
-          <a:fontRef idx="minor">
-            <a:schemeClr val="lt1"/>
-          </a:fontRef>
-        </p:style>
-        <p:txBody>
-          <a:bodyPr rtlCol="0" anchor="ctr"/>
-          <a:lstStyle/>
-          <a:p>
-            <a:pPr algn="ctr"/>
-            <a:r>
-              <a:rPr lang="de-DE" sz="1400" dirty="0" smtClean="0"/>
-              <a:t>…</a:t>
-            </a:r>
-            <a:endParaRPr lang="de-DE" sz="1400" dirty="0"/>
-          </a:p>
-        </p:txBody>
-      </p:sp>
-      <p:sp>
-        <p:nvSpPr>
           <p:cNvPr id="13" name="Rechteck 12"/>
           <p:cNvSpPr/>
           <p:nvPr/>
         </p:nvSpPr>
         <p:spPr>
           <a:xfrm>
-            <a:off x="5611217" y="3486767"/>
+            <a:off x="5611217" y="3430922"/>
             <a:ext cx="891385" cy="264116"/>
           </a:xfrm>
           <a:prstGeom prst="rect">
@@ -5770,7 +5639,7 @@
         </p:nvSpPr>
         <p:spPr>
           <a:xfrm>
-            <a:off x="6532931" y="3486767"/>
+            <a:off x="6532931" y="3430922"/>
             <a:ext cx="891385" cy="264116"/>
           </a:xfrm>
           <a:prstGeom prst="rect">
@@ -5820,7 +5689,157 @@
         </p:nvSpPr>
         <p:spPr>
           <a:xfrm>
-            <a:off x="7454647" y="3485007"/>
+            <a:off x="7454647" y="3429162"/>
+            <a:ext cx="221130" cy="264116"/>
+          </a:xfrm>
+          <a:prstGeom prst="rect">
+            <a:avLst/>
+          </a:prstGeom>
+          <a:solidFill>
+            <a:srgbClr val="97C0E5"/>
+          </a:solidFill>
+          <a:ln>
+            <a:noFill/>
+          </a:ln>
+        </p:spPr>
+        <p:style>
+          <a:lnRef idx="2">
+            <a:schemeClr val="accent1">
+              <a:shade val="50000"/>
+            </a:schemeClr>
+          </a:lnRef>
+          <a:fillRef idx="1">
+            <a:schemeClr val="accent1"/>
+          </a:fillRef>
+          <a:effectRef idx="0">
+            <a:schemeClr val="accent1"/>
+          </a:effectRef>
+          <a:fontRef idx="minor">
+            <a:schemeClr val="lt1"/>
+          </a:fontRef>
+        </p:style>
+        <p:txBody>
+          <a:bodyPr rtlCol="0" anchor="ctr"/>
+          <a:lstStyle/>
+          <a:p>
+            <a:pPr algn="ctr"/>
+            <a:r>
+              <a:rPr lang="de-DE" sz="1400" dirty="0" smtClean="0"/>
+              <a:t>…</a:t>
+            </a:r>
+            <a:endParaRPr lang="de-DE" sz="1400" dirty="0"/>
+          </a:p>
+        </p:txBody>
+      </p:sp>
+      <p:sp>
+        <p:nvSpPr>
+          <p:cNvPr id="17" name="Rechteck 16"/>
+          <p:cNvSpPr/>
+          <p:nvPr/>
+        </p:nvSpPr>
+        <p:spPr>
+          <a:xfrm>
+            <a:off x="5603075" y="4434895"/>
+            <a:ext cx="891385" cy="264116"/>
+          </a:xfrm>
+          <a:prstGeom prst="rect">
+            <a:avLst/>
+          </a:prstGeom>
+          <a:solidFill>
+            <a:srgbClr val="97C0E5"/>
+          </a:solidFill>
+          <a:ln>
+            <a:noFill/>
+          </a:ln>
+        </p:spPr>
+        <p:style>
+          <a:lnRef idx="2">
+            <a:schemeClr val="accent1">
+              <a:shade val="50000"/>
+            </a:schemeClr>
+          </a:lnRef>
+          <a:fillRef idx="1">
+            <a:schemeClr val="accent1"/>
+          </a:fillRef>
+          <a:effectRef idx="0">
+            <a:schemeClr val="accent1"/>
+          </a:effectRef>
+          <a:fontRef idx="minor">
+            <a:schemeClr val="lt1"/>
+          </a:fontRef>
+        </p:style>
+        <p:txBody>
+          <a:bodyPr rtlCol="0" anchor="ctr"/>
+          <a:lstStyle/>
+          <a:p>
+            <a:pPr algn="ctr"/>
+            <a:r>
+              <a:rPr lang="de-DE" sz="1400" dirty="0" smtClean="0"/>
+              <a:t>Wave 1</a:t>
+            </a:r>
+            <a:endParaRPr lang="de-DE" sz="1400" dirty="0"/>
+          </a:p>
+        </p:txBody>
+      </p:sp>
+      <p:sp>
+        <p:nvSpPr>
+          <p:cNvPr id="18" name="Rechteck 17"/>
+          <p:cNvSpPr/>
+          <p:nvPr/>
+        </p:nvSpPr>
+        <p:spPr>
+          <a:xfrm>
+            <a:off x="6524789" y="4434895"/>
+            <a:ext cx="891385" cy="264116"/>
+          </a:xfrm>
+          <a:prstGeom prst="rect">
+            <a:avLst/>
+          </a:prstGeom>
+          <a:solidFill>
+            <a:srgbClr val="97C0E5"/>
+          </a:solidFill>
+          <a:ln>
+            <a:noFill/>
+          </a:ln>
+        </p:spPr>
+        <p:style>
+          <a:lnRef idx="2">
+            <a:schemeClr val="accent1">
+              <a:shade val="50000"/>
+            </a:schemeClr>
+          </a:lnRef>
+          <a:fillRef idx="1">
+            <a:schemeClr val="accent1"/>
+          </a:fillRef>
+          <a:effectRef idx="0">
+            <a:schemeClr val="accent1"/>
+          </a:effectRef>
+          <a:fontRef idx="minor">
+            <a:schemeClr val="lt1"/>
+          </a:fontRef>
+        </p:style>
+        <p:txBody>
+          <a:bodyPr rtlCol="0" anchor="ctr"/>
+          <a:lstStyle/>
+          <a:p>
+            <a:pPr algn="ctr"/>
+            <a:r>
+              <a:rPr lang="de-DE" sz="1400" dirty="0" smtClean="0"/>
+              <a:t>Wave 2</a:t>
+            </a:r>
+            <a:endParaRPr lang="de-DE" sz="1400" dirty="0"/>
+          </a:p>
+        </p:txBody>
+      </p:sp>
+      <p:sp>
+        <p:nvSpPr>
+          <p:cNvPr id="19" name="Rechteck 18"/>
+          <p:cNvSpPr/>
+          <p:nvPr/>
+        </p:nvSpPr>
+        <p:spPr>
+          <a:xfrm>
+            <a:off x="7446505" y="4433135"/>
             <a:ext cx="221130" cy="264116"/>
           </a:xfrm>
           <a:prstGeom prst="rect">
